--- a/JIRA Proposal.pptx
+++ b/JIRA Proposal.pptx
@@ -5,7 +5,7 @@
     <p:sldMasterId id="2147483648" r:id="rId1"/>
   </p:sldMasterIdLst>
   <p:notesMasterIdLst>
-    <p:notesMasterId r:id="rId23"/>
+    <p:notesMasterId r:id="rId25"/>
   </p:notesMasterIdLst>
   <p:sldIdLst>
     <p:sldId id="256" r:id="rId2"/>
@@ -28,7 +28,9 @@
     <p:sldId id="273" r:id="rId19"/>
     <p:sldId id="275" r:id="rId20"/>
     <p:sldId id="276" r:id="rId21"/>
-    <p:sldId id="269" r:id="rId22"/>
+    <p:sldId id="278" r:id="rId22"/>
+    <p:sldId id="277" r:id="rId23"/>
+    <p:sldId id="269" r:id="rId24"/>
   </p:sldIdLst>
   <p:sldSz cx="12192000" cy="6858000"/>
   <p:notesSz cx="6858000" cy="9144000"/>
@@ -1554,29 +1556,29 @@
     </dgm:pt>
   </dgm:ptLst>
   <dgm:cxnLst>
+    <dgm:cxn modelId="{5F4D8B75-375E-4D9F-945D-323B81E88C76}" srcId="{44BD5099-CC45-486F-8BF4-7858357AA37C}" destId="{0D317010-6340-4490-A05A-BF99E7BDA71B}" srcOrd="3" destOrd="0" parTransId="{53CDD806-D5EB-4BC5-BE28-44377F546C60}" sibTransId="{23EB1B20-E89E-485B-B9FA-CA8CB98548B0}"/>
+    <dgm:cxn modelId="{005DB20C-82AC-429A-A013-71D3040DC160}" srcId="{3C92D4E1-BACD-4765-A80C-6925FC3491C8}" destId="{3EFCFA70-BAA8-42FA-BAED-67A769D28B5A}" srcOrd="3" destOrd="0" parTransId="{D189DDDF-B0F7-4856-ADAE-6E0DC638297E}" sibTransId="{84ABBB50-F6C1-4AC3-A7A5-F242F33E4E5C}"/>
+    <dgm:cxn modelId="{EB8A1A1E-9BE0-4859-872F-892B5D55B967}" type="presOf" srcId="{69494D02-ED62-4FBA-9DAB-63B8C8C868F0}" destId="{F0668A97-EF06-438E-BF04-8260DA1282DE}" srcOrd="0" destOrd="0" presId="urn:microsoft.com/office/officeart/2008/layout/LinedList"/>
+    <dgm:cxn modelId="{9FF6CADD-8E69-408A-A966-B48A892D4D3B}" type="presOf" srcId="{30AF8A2D-E7B3-454F-8012-4612E4E4A1D5}" destId="{C183BD9E-6DC4-49F1-862F-18FFEA645AEA}" srcOrd="0" destOrd="0" presId="urn:microsoft.com/office/officeart/2008/layout/LinedList"/>
+    <dgm:cxn modelId="{E7334385-9B29-4BE3-BFD5-24EE5AC29268}" type="presOf" srcId="{3C92D4E1-BACD-4765-A80C-6925FC3491C8}" destId="{B5F33425-1A3E-4E10-A6FC-2FE4F08D0981}" srcOrd="0" destOrd="0" presId="urn:microsoft.com/office/officeart/2008/layout/LinedList"/>
+    <dgm:cxn modelId="{B2099234-5C36-45BB-B65F-7324D484B0CC}" srcId="{3C92D4E1-BACD-4765-A80C-6925FC3491C8}" destId="{BA7AA3E8-7CAE-4CF1-992F-BE91FC0B1C3D}" srcOrd="2" destOrd="0" parTransId="{85A89F06-121F-484D-B9B6-2807CDFC2151}" sibTransId="{FD8F9414-11B6-4D5E-B1C7-57044E21A15E}"/>
+    <dgm:cxn modelId="{798F3F9F-A5BB-4374-8228-079840F57007}" type="presOf" srcId="{3EFCFA70-BAA8-42FA-BAED-67A769D28B5A}" destId="{5AB2F9B3-2CA9-4F6E-9CBC-8A955EC6C7AD}" srcOrd="0" destOrd="0" presId="urn:microsoft.com/office/officeart/2008/layout/LinedList"/>
+    <dgm:cxn modelId="{12B5FE97-B1F7-4F80-B7E1-1B97C1D5F1F1}" srcId="{96031E4D-D28D-48C4-868F-2D42AA82C740}" destId="{3C92D4E1-BACD-4765-A80C-6925FC3491C8}" srcOrd="0" destOrd="0" parTransId="{EC76B721-BD35-41F2-9655-33AD1CF09C10}" sibTransId="{1B93309B-54C1-467E-B53A-FB0BDA699B37}"/>
+    <dgm:cxn modelId="{24175DD7-C5DD-4048-9471-6A78B1161CE9}" type="presOf" srcId="{CD7D9F0F-9E18-41E1-AC1A-7633ADF1EB15}" destId="{CD6CFE11-9179-4688-BC19-B4CA8108F57D}" srcOrd="0" destOrd="0" presId="urn:microsoft.com/office/officeart/2008/layout/LinedList"/>
+    <dgm:cxn modelId="{3E9FB4E8-EA8E-4DCE-83D5-99ED182682A4}" type="presOf" srcId="{0D317010-6340-4490-A05A-BF99E7BDA71B}" destId="{C864480E-D2DB-4E43-B6AF-095476CEFA56}" srcOrd="0" destOrd="0" presId="urn:microsoft.com/office/officeart/2008/layout/LinedList"/>
+    <dgm:cxn modelId="{F78052B0-F2AA-4B17-8E6C-7B5636C60725}" srcId="{3C92D4E1-BACD-4765-A80C-6925FC3491C8}" destId="{E0F15334-F44E-4E4B-94E6-79BC028F29CB}" srcOrd="1" destOrd="0" parTransId="{3A3D332E-63A8-4E95-B650-294582E4DA98}" sibTransId="{D781A2E4-8EE6-4BAE-82CD-FB3E31775FCA}"/>
+    <dgm:cxn modelId="{B9FA9B84-D84B-4144-9592-56CDCA3AFE4E}" type="presOf" srcId="{BA7AA3E8-7CAE-4CF1-992F-BE91FC0B1C3D}" destId="{DDE61A8D-8170-4F8D-B6E8-B23AA8157E42}" srcOrd="0" destOrd="0" presId="urn:microsoft.com/office/officeart/2008/layout/LinedList"/>
     <dgm:cxn modelId="{1071C987-BF20-4223-8F31-66A525359CBB}" type="presOf" srcId="{9B9F1E8D-F6AF-4A92-A512-18F16225FAC0}" destId="{7DF26F38-6605-45D4-B2E9-B8EB5A172D2D}" srcOrd="0" destOrd="0" presId="urn:microsoft.com/office/officeart/2008/layout/LinedList"/>
-    <dgm:cxn modelId="{5F4D8B75-375E-4D9F-945D-323B81E88C76}" srcId="{44BD5099-CC45-486F-8BF4-7858357AA37C}" destId="{0D317010-6340-4490-A05A-BF99E7BDA71B}" srcOrd="3" destOrd="0" parTransId="{53CDD806-D5EB-4BC5-BE28-44377F546C60}" sibTransId="{23EB1B20-E89E-485B-B9FA-CA8CB98548B0}"/>
     <dgm:cxn modelId="{04718EFD-C0A2-47A2-BC44-F035485EB4EB}" srcId="{44BD5099-CC45-486F-8BF4-7858357AA37C}" destId="{CD7D9F0F-9E18-41E1-AC1A-7633ADF1EB15}" srcOrd="1" destOrd="0" parTransId="{75ADBF8C-26E7-4967-8E03-44CB04D6A146}" sibTransId="{09936DD6-0A36-4A6C-A396-ECAC698D3DB2}"/>
-    <dgm:cxn modelId="{9FF6CADD-8E69-408A-A966-B48A892D4D3B}" type="presOf" srcId="{30AF8A2D-E7B3-454F-8012-4612E4E4A1D5}" destId="{C183BD9E-6DC4-49F1-862F-18FFEA645AEA}" srcOrd="0" destOrd="0" presId="urn:microsoft.com/office/officeart/2008/layout/LinedList"/>
+    <dgm:cxn modelId="{D444578A-02B3-428B-93A2-8AADAB00D96D}" type="presOf" srcId="{969DBCC2-BD27-4667-A20C-0A1156DF7ABE}" destId="{78295BEF-CCC3-4CCF-AA9F-ABD5C23C742E}" srcOrd="0" destOrd="0" presId="urn:microsoft.com/office/officeart/2008/layout/LinedList"/>
+    <dgm:cxn modelId="{37984722-EE2D-4818-8E4F-F21FDB10B31C}" srcId="{30AF8A2D-E7B3-454F-8012-4612E4E4A1D5}" destId="{96031E4D-D28D-48C4-868F-2D42AA82C740}" srcOrd="0" destOrd="0" parTransId="{7DA60BC2-91EA-424B-9AD6-B4A67D422A37}" sibTransId="{0EC2B64F-15EE-4EDC-B5F7-299942D0B37A}"/>
     <dgm:cxn modelId="{7A9EFA43-E8B8-4E82-9D23-194AE10E537B}" type="presOf" srcId="{44BD5099-CC45-486F-8BF4-7858357AA37C}" destId="{1FBF18C2-C522-4934-8209-0F41BA8036A7}" srcOrd="0" destOrd="0" presId="urn:microsoft.com/office/officeart/2008/layout/LinedList"/>
-    <dgm:cxn modelId="{12B5FE97-B1F7-4F80-B7E1-1B97C1D5F1F1}" srcId="{96031E4D-D28D-48C4-868F-2D42AA82C740}" destId="{3C92D4E1-BACD-4765-A80C-6925FC3491C8}" srcOrd="0" destOrd="0" parTransId="{EC76B721-BD35-41F2-9655-33AD1CF09C10}" sibTransId="{1B93309B-54C1-467E-B53A-FB0BDA699B37}"/>
-    <dgm:cxn modelId="{EB8A1A1E-9BE0-4859-872F-892B5D55B967}" type="presOf" srcId="{69494D02-ED62-4FBA-9DAB-63B8C8C868F0}" destId="{F0668A97-EF06-438E-BF04-8260DA1282DE}" srcOrd="0" destOrd="0" presId="urn:microsoft.com/office/officeart/2008/layout/LinedList"/>
-    <dgm:cxn modelId="{3E9FB4E8-EA8E-4DCE-83D5-99ED182682A4}" type="presOf" srcId="{0D317010-6340-4490-A05A-BF99E7BDA71B}" destId="{C864480E-D2DB-4E43-B6AF-095476CEFA56}" srcOrd="0" destOrd="0" presId="urn:microsoft.com/office/officeart/2008/layout/LinedList"/>
+    <dgm:cxn modelId="{464AB5CD-68E0-4055-AA90-E005A914716D}" srcId="{44BD5099-CC45-486F-8BF4-7858357AA37C}" destId="{9B9F1E8D-F6AF-4A92-A512-18F16225FAC0}" srcOrd="2" destOrd="0" parTransId="{1A85425E-7F54-45D2-93CD-9A0E1074AE4D}" sibTransId="{4344E2B4-8668-4BA9-86FA-B2E7EDAA6232}"/>
+    <dgm:cxn modelId="{56793554-8C77-4DA6-9A8E-DFC8622D71CC}" srcId="{44BD5099-CC45-486F-8BF4-7858357AA37C}" destId="{969DBCC2-BD27-4667-A20C-0A1156DF7ABE}" srcOrd="0" destOrd="0" parTransId="{481BFB05-D447-462D-B8FB-8270FAE24C59}" sibTransId="{B18759AC-CA8E-45F4-8420-647921A2A4B4}"/>
+    <dgm:cxn modelId="{86E3E535-6A25-4D8D-951A-2FA2F95D39BA}" type="presOf" srcId="{E0F15334-F44E-4E4B-94E6-79BC028F29CB}" destId="{5A91AF73-8B57-4057-8B7D-7E22A06F3012}" srcOrd="0" destOrd="0" presId="urn:microsoft.com/office/officeart/2008/layout/LinedList"/>
+    <dgm:cxn modelId="{DB11D560-093A-4C02-81D6-82DF84A098A8}" type="presOf" srcId="{96031E4D-D28D-48C4-868F-2D42AA82C740}" destId="{91FFA521-B1CB-49FE-960F-AFC6E4887FD4}" srcOrd="0" destOrd="0" presId="urn:microsoft.com/office/officeart/2008/layout/LinedList"/>
     <dgm:cxn modelId="{DF32CB89-9997-4B54-963B-DC801984B99C}" srcId="{3C92D4E1-BACD-4765-A80C-6925FC3491C8}" destId="{69494D02-ED62-4FBA-9DAB-63B8C8C868F0}" srcOrd="0" destOrd="0" parTransId="{7A7A7F10-F36C-4F96-81A2-62F6C74E20A2}" sibTransId="{33BCAD37-5D5D-4B32-BE9F-189BFFEDC77D}"/>
-    <dgm:cxn modelId="{B9FA9B84-D84B-4144-9592-56CDCA3AFE4E}" type="presOf" srcId="{BA7AA3E8-7CAE-4CF1-992F-BE91FC0B1C3D}" destId="{DDE61A8D-8170-4F8D-B6E8-B23AA8157E42}" srcOrd="0" destOrd="0" presId="urn:microsoft.com/office/officeart/2008/layout/LinedList"/>
-    <dgm:cxn modelId="{005DB20C-82AC-429A-A013-71D3040DC160}" srcId="{3C92D4E1-BACD-4765-A80C-6925FC3491C8}" destId="{3EFCFA70-BAA8-42FA-BAED-67A769D28B5A}" srcOrd="3" destOrd="0" parTransId="{D189DDDF-B0F7-4856-ADAE-6E0DC638297E}" sibTransId="{84ABBB50-F6C1-4AC3-A7A5-F242F33E4E5C}"/>
     <dgm:cxn modelId="{8B4E0D57-61D1-4383-8ACB-14868BFACDD7}" srcId="{96031E4D-D28D-48C4-868F-2D42AA82C740}" destId="{44BD5099-CC45-486F-8BF4-7858357AA37C}" srcOrd="1" destOrd="0" parTransId="{283454BE-4076-4F97-9805-15D09A25FDB1}" sibTransId="{93C84D85-D524-43E1-BB92-47D51F6FAA14}"/>
-    <dgm:cxn modelId="{464AB5CD-68E0-4055-AA90-E005A914716D}" srcId="{44BD5099-CC45-486F-8BF4-7858357AA37C}" destId="{9B9F1E8D-F6AF-4A92-A512-18F16225FAC0}" srcOrd="2" destOrd="0" parTransId="{1A85425E-7F54-45D2-93CD-9A0E1074AE4D}" sibTransId="{4344E2B4-8668-4BA9-86FA-B2E7EDAA6232}"/>
-    <dgm:cxn modelId="{DB11D560-093A-4C02-81D6-82DF84A098A8}" type="presOf" srcId="{96031E4D-D28D-48C4-868F-2D42AA82C740}" destId="{91FFA521-B1CB-49FE-960F-AFC6E4887FD4}" srcOrd="0" destOrd="0" presId="urn:microsoft.com/office/officeart/2008/layout/LinedList"/>
-    <dgm:cxn modelId="{37984722-EE2D-4818-8E4F-F21FDB10B31C}" srcId="{30AF8A2D-E7B3-454F-8012-4612E4E4A1D5}" destId="{96031E4D-D28D-48C4-868F-2D42AA82C740}" srcOrd="0" destOrd="0" parTransId="{7DA60BC2-91EA-424B-9AD6-B4A67D422A37}" sibTransId="{0EC2B64F-15EE-4EDC-B5F7-299942D0B37A}"/>
-    <dgm:cxn modelId="{56793554-8C77-4DA6-9A8E-DFC8622D71CC}" srcId="{44BD5099-CC45-486F-8BF4-7858357AA37C}" destId="{969DBCC2-BD27-4667-A20C-0A1156DF7ABE}" srcOrd="0" destOrd="0" parTransId="{481BFB05-D447-462D-B8FB-8270FAE24C59}" sibTransId="{B18759AC-CA8E-45F4-8420-647921A2A4B4}"/>
-    <dgm:cxn modelId="{B2099234-5C36-45BB-B65F-7324D484B0CC}" srcId="{3C92D4E1-BACD-4765-A80C-6925FC3491C8}" destId="{BA7AA3E8-7CAE-4CF1-992F-BE91FC0B1C3D}" srcOrd="2" destOrd="0" parTransId="{85A89F06-121F-484D-B9B6-2807CDFC2151}" sibTransId="{FD8F9414-11B6-4D5E-B1C7-57044E21A15E}"/>
-    <dgm:cxn modelId="{D444578A-02B3-428B-93A2-8AADAB00D96D}" type="presOf" srcId="{969DBCC2-BD27-4667-A20C-0A1156DF7ABE}" destId="{78295BEF-CCC3-4CCF-AA9F-ABD5C23C742E}" srcOrd="0" destOrd="0" presId="urn:microsoft.com/office/officeart/2008/layout/LinedList"/>
-    <dgm:cxn modelId="{24175DD7-C5DD-4048-9471-6A78B1161CE9}" type="presOf" srcId="{CD7D9F0F-9E18-41E1-AC1A-7633ADF1EB15}" destId="{CD6CFE11-9179-4688-BC19-B4CA8108F57D}" srcOrd="0" destOrd="0" presId="urn:microsoft.com/office/officeart/2008/layout/LinedList"/>
-    <dgm:cxn modelId="{798F3F9F-A5BB-4374-8228-079840F57007}" type="presOf" srcId="{3EFCFA70-BAA8-42FA-BAED-67A769D28B5A}" destId="{5AB2F9B3-2CA9-4F6E-9CBC-8A955EC6C7AD}" srcOrd="0" destOrd="0" presId="urn:microsoft.com/office/officeart/2008/layout/LinedList"/>
-    <dgm:cxn modelId="{86E3E535-6A25-4D8D-951A-2FA2F95D39BA}" type="presOf" srcId="{E0F15334-F44E-4E4B-94E6-79BC028F29CB}" destId="{5A91AF73-8B57-4057-8B7D-7E22A06F3012}" srcOrd="0" destOrd="0" presId="urn:microsoft.com/office/officeart/2008/layout/LinedList"/>
-    <dgm:cxn modelId="{E7334385-9B29-4BE3-BFD5-24EE5AC29268}" type="presOf" srcId="{3C92D4E1-BACD-4765-A80C-6925FC3491C8}" destId="{B5F33425-1A3E-4E10-A6FC-2FE4F08D0981}" srcOrd="0" destOrd="0" presId="urn:microsoft.com/office/officeart/2008/layout/LinedList"/>
-    <dgm:cxn modelId="{F78052B0-F2AA-4B17-8E6C-7B5636C60725}" srcId="{3C92D4E1-BACD-4765-A80C-6925FC3491C8}" destId="{E0F15334-F44E-4E4B-94E6-79BC028F29CB}" srcOrd="1" destOrd="0" parTransId="{3A3D332E-63A8-4E95-B650-294582E4DA98}" sibTransId="{D781A2E4-8EE6-4BAE-82CD-FB3E31775FCA}"/>
     <dgm:cxn modelId="{1C7A52A9-C7F0-4A05-BCA4-04D3C32D72F6}" type="presParOf" srcId="{C183BD9E-6DC4-49F1-862F-18FFEA645AEA}" destId="{B47A26EB-9F96-480B-8666-08739B05EB88}" srcOrd="0" destOrd="0" presId="urn:microsoft.com/office/officeart/2008/layout/LinedList"/>
     <dgm:cxn modelId="{8F3CEAAD-FFB7-4864-8D72-5DD5396DF58E}" type="presParOf" srcId="{C183BD9E-6DC4-49F1-862F-18FFEA645AEA}" destId="{354605B2-B49C-4390-98AB-7F8772143CB6}" srcOrd="1" destOrd="0" presId="urn:microsoft.com/office/officeart/2008/layout/LinedList"/>
     <dgm:cxn modelId="{B8DA3AB4-3603-4A90-84FB-144744E0CA94}" type="presParOf" srcId="{354605B2-B49C-4390-98AB-7F8772143CB6}" destId="{91FFA521-B1CB-49FE-960F-AFC6E4887FD4}" srcOrd="0" destOrd="0" presId="urn:microsoft.com/office/officeart/2008/layout/LinedList"/>
@@ -4840,6 +4842,90 @@
 </p:notes>
 </file>
 
+<file path=ppt/notesSlides/notesSlide3.xml><?xml version="1.0" encoding="utf-8"?>
+<p:notes xmlns:a="http://schemas.openxmlformats.org/drawingml/2006/main" xmlns:r="http://schemas.openxmlformats.org/officeDocument/2006/relationships" xmlns:p="http://schemas.openxmlformats.org/presentationml/2006/main">
+  <p:cSld>
+    <p:spTree>
+      <p:nvGrpSpPr>
+        <p:cNvPr id="1" name=""/>
+        <p:cNvGrpSpPr/>
+        <p:nvPr/>
+      </p:nvGrpSpPr>
+      <p:grpSpPr>
+        <a:xfrm>
+          <a:off x="0" y="0"/>
+          <a:ext cx="0" cy="0"/>
+          <a:chOff x="0" y="0"/>
+          <a:chExt cx="0" cy="0"/>
+        </a:xfrm>
+      </p:grpSpPr>
+      <p:sp>
+        <p:nvSpPr>
+          <p:cNvPr id="2" name="投影片圖像版面配置區 1"/>
+          <p:cNvSpPr>
+            <a:spLocks noGrp="1" noRot="1" noChangeAspect="1"/>
+          </p:cNvSpPr>
+          <p:nvPr>
+            <p:ph type="sldImg"/>
+          </p:nvPr>
+        </p:nvSpPr>
+        <p:spPr/>
+      </p:sp>
+      <p:sp>
+        <p:nvSpPr>
+          <p:cNvPr id="3" name="備忘稿版面配置區 2"/>
+          <p:cNvSpPr>
+            <a:spLocks noGrp="1"/>
+          </p:cNvSpPr>
+          <p:nvPr>
+            <p:ph type="body" idx="1"/>
+          </p:nvPr>
+        </p:nvSpPr>
+        <p:spPr/>
+        <p:txBody>
+          <a:bodyPr/>
+          <a:lstStyle/>
+          <a:p>
+            <a:endParaRPr lang="en-US" dirty="0"/>
+          </a:p>
+        </p:txBody>
+      </p:sp>
+      <p:sp>
+        <p:nvSpPr>
+          <p:cNvPr id="4" name="投影片編號版面配置區 3"/>
+          <p:cNvSpPr>
+            <a:spLocks noGrp="1"/>
+          </p:cNvSpPr>
+          <p:nvPr>
+            <p:ph type="sldNum" sz="quarter" idx="10"/>
+          </p:nvPr>
+        </p:nvSpPr>
+        <p:spPr/>
+        <p:txBody>
+          <a:bodyPr/>
+          <a:lstStyle/>
+          <a:p>
+            <a:fld id="{A8F09AF7-3E4D-453C-9BB5-024130F6640E}" type="slidenum">
+              <a:rPr lang="en-US" smtClean="0"/>
+              <a:t>19</a:t>
+            </a:fld>
+            <a:endParaRPr lang="en-US"/>
+          </a:p>
+        </p:txBody>
+      </p:sp>
+    </p:spTree>
+    <p:extLst>
+      <p:ext uri="{BB962C8B-B14F-4D97-AF65-F5344CB8AC3E}">
+        <p14:creationId xmlns:p14="http://schemas.microsoft.com/office/powerpoint/2010/main" val="2225642060"/>
+      </p:ext>
+    </p:extLst>
+  </p:cSld>
+  <p:clrMapOvr>
+    <a:masterClrMapping/>
+  </p:clrMapOvr>
+</p:notes>
+</file>
+
 <file path=ppt/slideLayouts/slideLayout1.xml><?xml version="1.0" encoding="utf-8"?>
 <p:sldLayout xmlns:a="http://schemas.openxmlformats.org/drawingml/2006/main" xmlns:r="http://schemas.openxmlformats.org/officeDocument/2006/relationships" xmlns:p="http://schemas.openxmlformats.org/presentationml/2006/main" type="title" preserve="1">
   <p:cSld name="標題投影片">
@@ -9595,6 +9681,30 @@
           <a:chExt cx="0" cy="0"/>
         </a:xfrm>
       </p:grpSpPr>
+      <p:pic>
+        <p:nvPicPr>
+          <p:cNvPr id="20" name="圖片 19"/>
+          <p:cNvPicPr>
+            <a:picLocks noChangeAspect="1"/>
+          </p:cNvPicPr>
+          <p:nvPr/>
+        </p:nvPicPr>
+        <p:blipFill>
+          <a:blip r:embed="rId3"/>
+          <a:stretch>
+            <a:fillRect/>
+          </a:stretch>
+        </p:blipFill>
+        <p:spPr>
+          <a:xfrm>
+            <a:off x="4544009" y="842963"/>
+            <a:ext cx="7705725" cy="5334000"/>
+          </a:xfrm>
+          <a:prstGeom prst="rect">
+            <a:avLst/>
+          </a:prstGeom>
+        </p:spPr>
+      </p:pic>
       <p:sp>
         <p:nvSpPr>
           <p:cNvPr id="2" name="標題 1"/>
@@ -9614,6 +9724,14 @@
               <a:rPr lang="zh-TW" altLang="en-US" dirty="0"/>
               <a:t>情形１</a:t>
             </a:r>
+            <a:r>
+              <a:rPr lang="en-US" altLang="zh-TW" dirty="0"/>
+              <a:t>- Han </a:t>
+            </a:r>
+            <a:r>
+              <a:rPr lang="zh-TW" altLang="en-US" dirty="0"/>
+              <a:t>遇到問題</a:t>
+            </a:r>
             <a:endParaRPr lang="en-US" dirty="0"/>
           </a:p>
         </p:txBody>
@@ -9628,71 +9746,642 @@
             <p:ph idx="1"/>
           </p:nvPr>
         </p:nvSpPr>
-        <p:spPr/>
+        <p:spPr>
+          <a:xfrm>
+            <a:off x="838201" y="1825625"/>
+            <a:ext cx="3705808" cy="4351338"/>
+          </a:xfrm>
+        </p:spPr>
         <p:txBody>
-          <a:bodyPr/>
+          <a:bodyPr>
+            <a:normAutofit/>
+          </a:bodyPr>
           <a:lstStyle/>
           <a:p>
-            <a:r>
-              <a:rPr lang="zh-TW" altLang="en-US" dirty="0"/>
+            <a:pPr marL="342900" indent="-342900">
+              <a:buFont typeface="+mj-lt"/>
+              <a:buAutoNum type="arabicPeriod"/>
+            </a:pPr>
+            <a:r>
+              <a:rPr lang="zh-TW" altLang="en-US" sz="1600" dirty="0"/>
               <a:t>測試人　</a:t>
             </a:r>
             <a:r>
-              <a:rPr lang="en-US" altLang="zh-TW" dirty="0"/>
+              <a:rPr lang="en-US" altLang="zh-TW" sz="1600" dirty="0"/>
               <a:t>Han</a:t>
             </a:r>
             <a:r>
-              <a:rPr lang="zh-TW" altLang="en-US" dirty="0"/>
+              <a:rPr lang="zh-TW" altLang="en-US" sz="1600" dirty="0"/>
               <a:t>　（軟體）</a:t>
             </a:r>
-            <a:endParaRPr lang="en-US" altLang="zh-TW" dirty="0"/>
-          </a:p>
-          <a:p>
-            <a:r>
-              <a:rPr lang="zh-TW" altLang="en-US" dirty="0"/>
-              <a:t>發現的問題　－　</a:t>
-            </a:r>
-            <a:r>
-              <a:rPr lang="en-US" altLang="zh-TW" dirty="0"/>
-              <a:t>HD276K </a:t>
-            </a:r>
-            <a:r>
-              <a:rPr lang="zh-TW" altLang="en-US" dirty="0"/>
+            <a:endParaRPr lang="en-US" altLang="zh-TW" sz="1600" dirty="0"/>
+          </a:p>
+          <a:p>
+            <a:pPr marL="342900" indent="-342900">
+              <a:buFont typeface="+mj-lt"/>
+              <a:buAutoNum type="arabicPeriod"/>
+            </a:pPr>
+            <a:r>
+              <a:rPr lang="zh-TW" altLang="en-US" sz="1600" dirty="0"/>
+              <a:t>發現的問題</a:t>
+            </a:r>
+            <a:r>
+              <a:rPr lang="en-US" altLang="zh-TW" sz="1600" dirty="0"/>
+              <a:t>:</a:t>
+            </a:r>
+            <a:r>
+              <a:rPr lang="zh-TW" altLang="en-US" sz="1600" dirty="0"/>
+              <a:t>　</a:t>
+            </a:r>
+            <a:endParaRPr lang="en-US" altLang="zh-TW" sz="1600" dirty="0"/>
+          </a:p>
+          <a:p>
+            <a:pPr marL="457200" lvl="1" indent="0">
+              <a:buNone/>
+            </a:pPr>
+            <a:r>
+              <a:rPr lang="zh-TW" altLang="en-US" sz="1200" dirty="0"/>
+              <a:t>－</a:t>
+            </a:r>
+            <a:r>
+              <a:rPr lang="en-US" altLang="zh-TW" sz="1200" dirty="0"/>
+              <a:t>MA725H </a:t>
+            </a:r>
+            <a:r>
+              <a:rPr lang="zh-TW" altLang="en-US" sz="1200" dirty="0"/>
               <a:t>瓦數比規格低</a:t>
             </a:r>
-            <a:endParaRPr lang="en-US" altLang="zh-TW" dirty="0"/>
-          </a:p>
-          <a:p>
-            <a:r>
-              <a:rPr lang="zh-TW" altLang="en-US" dirty="0"/>
+            <a:endParaRPr lang="en-US" altLang="zh-TW" sz="1200" dirty="0"/>
+          </a:p>
+          <a:p>
+            <a:pPr marL="342900" indent="-342900">
+              <a:buFont typeface="+mj-lt"/>
+              <a:buAutoNum type="arabicPeriod"/>
+            </a:pPr>
+            <a:r>
+              <a:rPr lang="zh-TW" altLang="en-US" sz="1600" dirty="0"/>
               <a:t>問題會影響　</a:t>
             </a:r>
             <a:r>
-              <a:rPr lang="en-US" altLang="zh-TW" dirty="0"/>
+              <a:rPr lang="en-US" altLang="zh-TW" sz="1600" dirty="0"/>
               <a:t>	</a:t>
             </a:r>
           </a:p>
           <a:p>
             <a:pPr lvl="1"/>
             <a:r>
-              <a:rPr lang="zh-TW" altLang="en-US" dirty="0"/>
+              <a:rPr lang="zh-TW" altLang="en-US" sz="1400" dirty="0"/>
               <a:t>客戶</a:t>
             </a:r>
-            <a:endParaRPr lang="en-US" altLang="zh-TW" dirty="0"/>
+            <a:endParaRPr lang="en-US" altLang="zh-TW" sz="1400" dirty="0"/>
           </a:p>
           <a:p>
             <a:pPr lvl="1"/>
             <a:r>
-              <a:rPr lang="zh-TW" altLang="en-US" dirty="0"/>
+              <a:rPr lang="zh-TW" altLang="en-US" sz="1400" dirty="0"/>
               <a:t>量產</a:t>
             </a:r>
-            <a:endParaRPr lang="en-US" altLang="zh-TW" dirty="0"/>
-          </a:p>
-          <a:p>
-            <a:endParaRPr lang="en-US" altLang="zh-TW" dirty="0"/>
+            <a:endParaRPr lang="en-US" altLang="zh-TW" sz="1400" dirty="0"/>
+          </a:p>
+          <a:p>
+            <a:pPr marL="457200" indent="-457200">
+              <a:buFont typeface="+mj-lt"/>
+              <a:buAutoNum type="arabicPeriod"/>
+            </a:pPr>
+            <a:r>
+              <a:rPr lang="zh-TW" altLang="en-US" sz="1600" dirty="0"/>
+              <a:t>由於ＭＡ７２５已快要生產了，所以這問題歸類為最優先。如果我不知道緊急度，可以隨便填，因為</a:t>
+            </a:r>
+            <a:r>
+              <a:rPr lang="en-US" altLang="zh-TW" sz="1600" dirty="0"/>
+              <a:t>project manager</a:t>
+            </a:r>
+            <a:r>
+              <a:rPr lang="zh-TW" altLang="en-US" sz="1600" dirty="0"/>
+              <a:t>之後會安排</a:t>
+            </a:r>
+            <a:endParaRPr lang="en-US" altLang="zh-TW" sz="1600" dirty="0"/>
+          </a:p>
+          <a:p>
+            <a:pPr marL="457200" indent="-457200">
+              <a:buFont typeface="+mj-lt"/>
+              <a:buAutoNum type="arabicPeriod"/>
+            </a:pPr>
+            <a:r>
+              <a:rPr lang="zh-TW" altLang="en-US" sz="1600" dirty="0"/>
+              <a:t>目前，為了方便，只有兩種分類：軟體或硬體。</a:t>
+            </a:r>
+            <a:endParaRPr lang="en-US" altLang="zh-TW" sz="1600" dirty="0"/>
+          </a:p>
+          <a:p>
+            <a:pPr marL="0" indent="0">
+              <a:buNone/>
+            </a:pPr>
+            <a:endParaRPr lang="en-US" altLang="zh-TW" sz="1600" dirty="0"/>
+          </a:p>
+          <a:p>
+            <a:pPr marL="457200" indent="-457200">
+              <a:buFont typeface="+mj-lt"/>
+              <a:buAutoNum type="arabicPeriod"/>
+            </a:pPr>
+            <a:endParaRPr lang="en-US" altLang="zh-TW" sz="1600" dirty="0"/>
+          </a:p>
+          <a:p>
+            <a:pPr marL="457200" indent="-457200">
+              <a:buFont typeface="+mj-lt"/>
+              <a:buAutoNum type="arabicPeriod"/>
+            </a:pPr>
+            <a:endParaRPr lang="en-US" altLang="zh-TW" sz="1600" dirty="0"/>
+          </a:p>
+          <a:p>
+            <a:pPr marL="0" indent="0">
+              <a:buNone/>
+            </a:pPr>
+            <a:endParaRPr lang="en-US" altLang="zh-TW" sz="1800" dirty="0"/>
+          </a:p>
+          <a:p>
+            <a:endParaRPr lang="en-US" altLang="zh-TW" sz="1600" dirty="0"/>
           </a:p>
         </p:txBody>
       </p:sp>
+      <p:grpSp>
+        <p:nvGrpSpPr>
+          <p:cNvPr id="5" name="群組 4"/>
+          <p:cNvGrpSpPr/>
+          <p:nvPr/>
+        </p:nvGrpSpPr>
+        <p:grpSpPr>
+          <a:xfrm>
+            <a:off x="4920107" y="3204856"/>
+            <a:ext cx="3104219" cy="369332"/>
+            <a:chOff x="11406533" y="1921544"/>
+            <a:chExt cx="3104219" cy="369332"/>
+          </a:xfrm>
+        </p:grpSpPr>
+        <p:sp>
+          <p:nvSpPr>
+            <p:cNvPr id="6" name="文字方塊 5"/>
+            <p:cNvSpPr txBox="1"/>
+            <p:nvPr/>
+          </p:nvSpPr>
+          <p:spPr>
+            <a:xfrm>
+              <a:off x="11406533" y="1921544"/>
+              <a:ext cx="397565" cy="369332"/>
+            </a:xfrm>
+            <a:prstGeom prst="rect">
+              <a:avLst/>
+            </a:prstGeom>
+            <a:ln w="38100">
+              <a:solidFill>
+                <a:srgbClr val="FF0000"/>
+              </a:solidFill>
+            </a:ln>
+          </p:spPr>
+          <p:style>
+            <a:lnRef idx="3">
+              <a:schemeClr val="lt1"/>
+            </a:lnRef>
+            <a:fillRef idx="1">
+              <a:schemeClr val="accent5"/>
+            </a:fillRef>
+            <a:effectRef idx="1">
+              <a:schemeClr val="accent5"/>
+            </a:effectRef>
+            <a:fontRef idx="minor">
+              <a:schemeClr val="lt1"/>
+            </a:fontRef>
+          </p:style>
+          <p:txBody>
+            <a:bodyPr wrap="square" rtlCol="0">
+              <a:spAutoFit/>
+            </a:bodyPr>
+            <a:lstStyle/>
+            <a:p>
+              <a:r>
+                <a:rPr lang="zh-TW" altLang="en-US" dirty="0"/>
+                <a:t>１</a:t>
+              </a:r>
+              <a:endParaRPr lang="en-US" dirty="0"/>
+            </a:p>
+          </p:txBody>
+        </p:sp>
+        <p:sp>
+          <p:nvSpPr>
+            <p:cNvPr id="7" name="圓角矩形 9"/>
+            <p:cNvSpPr/>
+            <p:nvPr/>
+          </p:nvSpPr>
+          <p:spPr>
+            <a:xfrm>
+              <a:off x="11804097" y="1948069"/>
+              <a:ext cx="2706655" cy="342807"/>
+            </a:xfrm>
+            <a:prstGeom prst="roundRect">
+              <a:avLst/>
+            </a:prstGeom>
+            <a:noFill/>
+            <a:ln w="28575"/>
+          </p:spPr>
+          <p:style>
+            <a:lnRef idx="2">
+              <a:schemeClr val="accent2"/>
+            </a:lnRef>
+            <a:fillRef idx="1">
+              <a:schemeClr val="lt1"/>
+            </a:fillRef>
+            <a:effectRef idx="0">
+              <a:schemeClr val="accent2"/>
+            </a:effectRef>
+            <a:fontRef idx="minor">
+              <a:schemeClr val="dk1"/>
+            </a:fontRef>
+          </p:style>
+          <p:txBody>
+            <a:bodyPr rtlCol="0" anchor="ctr"/>
+            <a:lstStyle/>
+            <a:p>
+              <a:pPr algn="ctr"/>
+              <a:endParaRPr lang="en-US" dirty="0"/>
+            </a:p>
+          </p:txBody>
+        </p:sp>
+      </p:grpSp>
+      <p:grpSp>
+        <p:nvGrpSpPr>
+          <p:cNvPr id="8" name="群組 7"/>
+          <p:cNvGrpSpPr/>
+          <p:nvPr/>
+        </p:nvGrpSpPr>
+        <p:grpSpPr>
+          <a:xfrm>
+            <a:off x="4920107" y="2770872"/>
+            <a:ext cx="3104219" cy="369332"/>
+            <a:chOff x="11406533" y="1921544"/>
+            <a:chExt cx="3104219" cy="369332"/>
+          </a:xfrm>
+        </p:grpSpPr>
+        <p:sp>
+          <p:nvSpPr>
+            <p:cNvPr id="9" name="文字方塊 8"/>
+            <p:cNvSpPr txBox="1"/>
+            <p:nvPr/>
+          </p:nvSpPr>
+          <p:spPr>
+            <a:xfrm>
+              <a:off x="11406533" y="1921544"/>
+              <a:ext cx="397565" cy="369332"/>
+            </a:xfrm>
+            <a:prstGeom prst="rect">
+              <a:avLst/>
+            </a:prstGeom>
+            <a:ln w="38100">
+              <a:solidFill>
+                <a:srgbClr val="FF0000"/>
+              </a:solidFill>
+            </a:ln>
+          </p:spPr>
+          <p:style>
+            <a:lnRef idx="3">
+              <a:schemeClr val="lt1"/>
+            </a:lnRef>
+            <a:fillRef idx="1">
+              <a:schemeClr val="accent5"/>
+            </a:fillRef>
+            <a:effectRef idx="1">
+              <a:schemeClr val="accent5"/>
+            </a:effectRef>
+            <a:fontRef idx="minor">
+              <a:schemeClr val="lt1"/>
+            </a:fontRef>
+          </p:style>
+          <p:txBody>
+            <a:bodyPr wrap="square" rtlCol="0">
+              <a:spAutoFit/>
+            </a:bodyPr>
+            <a:lstStyle/>
+            <a:p>
+              <a:r>
+                <a:rPr lang="zh-TW" altLang="en-US" dirty="0"/>
+                <a:t>２</a:t>
+              </a:r>
+              <a:endParaRPr lang="en-US" dirty="0"/>
+            </a:p>
+          </p:txBody>
+        </p:sp>
+        <p:sp>
+          <p:nvSpPr>
+            <p:cNvPr id="10" name="圓角矩形 9"/>
+            <p:cNvSpPr/>
+            <p:nvPr/>
+          </p:nvSpPr>
+          <p:spPr>
+            <a:xfrm>
+              <a:off x="11804097" y="1948069"/>
+              <a:ext cx="2706655" cy="342807"/>
+            </a:xfrm>
+            <a:prstGeom prst="roundRect">
+              <a:avLst/>
+            </a:prstGeom>
+            <a:noFill/>
+            <a:ln w="28575"/>
+          </p:spPr>
+          <p:style>
+            <a:lnRef idx="2">
+              <a:schemeClr val="accent2"/>
+            </a:lnRef>
+            <a:fillRef idx="1">
+              <a:schemeClr val="lt1"/>
+            </a:fillRef>
+            <a:effectRef idx="0">
+              <a:schemeClr val="accent2"/>
+            </a:effectRef>
+            <a:fontRef idx="minor">
+              <a:schemeClr val="dk1"/>
+            </a:fontRef>
+          </p:style>
+          <p:txBody>
+            <a:bodyPr rtlCol="0" anchor="ctr"/>
+            <a:lstStyle/>
+            <a:p>
+              <a:pPr algn="ctr"/>
+              <a:endParaRPr lang="en-US" dirty="0"/>
+            </a:p>
+          </p:txBody>
+        </p:sp>
+      </p:grpSp>
+      <p:cxnSp>
+        <p:nvCxnSpPr>
+          <p:cNvPr id="12" name="直線單箭頭接點 11"/>
+          <p:cNvCxnSpPr/>
+          <p:nvPr/>
+        </p:nvCxnSpPr>
+        <p:spPr>
+          <a:xfrm>
+            <a:off x="3060441" y="2612571"/>
+            <a:ext cx="1763486" cy="356229"/>
+          </a:xfrm>
+          <a:prstGeom prst="straightConnector1">
+            <a:avLst/>
+          </a:prstGeom>
+          <a:ln>
+            <a:tailEnd type="triangle"/>
+          </a:ln>
+        </p:spPr>
+        <p:style>
+          <a:lnRef idx="1">
+            <a:schemeClr val="accent1"/>
+          </a:lnRef>
+          <a:fillRef idx="0">
+            <a:schemeClr val="accent1"/>
+          </a:fillRef>
+          <a:effectRef idx="0">
+            <a:schemeClr val="accent1"/>
+          </a:effectRef>
+          <a:fontRef idx="minor">
+            <a:schemeClr val="tx1"/>
+          </a:fontRef>
+        </p:style>
+      </p:cxnSp>
+      <p:cxnSp>
+        <p:nvCxnSpPr>
+          <p:cNvPr id="14" name="直線單箭頭接點 13"/>
+          <p:cNvCxnSpPr>
+            <a:endCxn id="6" idx="1"/>
+          </p:cNvCxnSpPr>
+          <p:nvPr/>
+        </p:nvCxnSpPr>
+        <p:spPr>
+          <a:xfrm>
+            <a:off x="2463282" y="2006082"/>
+            <a:ext cx="2456825" cy="1383440"/>
+          </a:xfrm>
+          <a:prstGeom prst="straightConnector1">
+            <a:avLst/>
+          </a:prstGeom>
+          <a:ln>
+            <a:tailEnd type="triangle"/>
+          </a:ln>
+        </p:spPr>
+        <p:style>
+          <a:lnRef idx="1">
+            <a:schemeClr val="accent1"/>
+          </a:lnRef>
+          <a:fillRef idx="0">
+            <a:schemeClr val="accent1"/>
+          </a:fillRef>
+          <a:effectRef idx="0">
+            <a:schemeClr val="accent1"/>
+          </a:effectRef>
+          <a:fontRef idx="minor">
+            <a:schemeClr val="tx1"/>
+          </a:fontRef>
+        </p:style>
+      </p:cxnSp>
+      <p:grpSp>
+        <p:nvGrpSpPr>
+          <p:cNvPr id="16" name="群組 15"/>
+          <p:cNvGrpSpPr/>
+          <p:nvPr/>
+        </p:nvGrpSpPr>
+        <p:grpSpPr>
+          <a:xfrm>
+            <a:off x="4814089" y="3995637"/>
+            <a:ext cx="3704760" cy="369332"/>
+            <a:chOff x="11406533" y="1921544"/>
+            <a:chExt cx="3704760" cy="369332"/>
+          </a:xfrm>
+        </p:grpSpPr>
+        <p:sp>
+          <p:nvSpPr>
+            <p:cNvPr id="17" name="文字方塊 16"/>
+            <p:cNvSpPr txBox="1"/>
+            <p:nvPr/>
+          </p:nvSpPr>
+          <p:spPr>
+            <a:xfrm>
+              <a:off x="11406533" y="1921544"/>
+              <a:ext cx="397565" cy="369332"/>
+            </a:xfrm>
+            <a:prstGeom prst="rect">
+              <a:avLst/>
+            </a:prstGeom>
+            <a:ln w="38100">
+              <a:solidFill>
+                <a:srgbClr val="FF0000"/>
+              </a:solidFill>
+            </a:ln>
+          </p:spPr>
+          <p:style>
+            <a:lnRef idx="3">
+              <a:schemeClr val="lt1"/>
+            </a:lnRef>
+            <a:fillRef idx="1">
+              <a:schemeClr val="accent5"/>
+            </a:fillRef>
+            <a:effectRef idx="1">
+              <a:schemeClr val="accent5"/>
+            </a:effectRef>
+            <a:fontRef idx="minor">
+              <a:schemeClr val="lt1"/>
+            </a:fontRef>
+          </p:style>
+          <p:txBody>
+            <a:bodyPr wrap="square" rtlCol="0">
+              <a:spAutoFit/>
+            </a:bodyPr>
+            <a:lstStyle/>
+            <a:p>
+              <a:r>
+                <a:rPr lang="en-US" dirty="0"/>
+                <a:t>4</a:t>
+              </a:r>
+            </a:p>
+          </p:txBody>
+        </p:sp>
+        <p:sp>
+          <p:nvSpPr>
+            <p:cNvPr id="18" name="圓角矩形 9"/>
+            <p:cNvSpPr/>
+            <p:nvPr/>
+          </p:nvSpPr>
+          <p:spPr>
+            <a:xfrm>
+              <a:off x="11804097" y="1948069"/>
+              <a:ext cx="3307196" cy="224751"/>
+            </a:xfrm>
+            <a:prstGeom prst="roundRect">
+              <a:avLst/>
+            </a:prstGeom>
+            <a:noFill/>
+            <a:ln w="28575"/>
+          </p:spPr>
+          <p:style>
+            <a:lnRef idx="2">
+              <a:schemeClr val="accent2"/>
+            </a:lnRef>
+            <a:fillRef idx="1">
+              <a:schemeClr val="lt1"/>
+            </a:fillRef>
+            <a:effectRef idx="0">
+              <a:schemeClr val="accent2"/>
+            </a:effectRef>
+            <a:fontRef idx="minor">
+              <a:schemeClr val="dk1"/>
+            </a:fontRef>
+          </p:style>
+          <p:txBody>
+            <a:bodyPr rtlCol="0" anchor="ctr"/>
+            <a:lstStyle/>
+            <a:p>
+              <a:pPr algn="ctr"/>
+              <a:endParaRPr lang="en-US" dirty="0"/>
+            </a:p>
+          </p:txBody>
+        </p:sp>
+      </p:grpSp>
+      <p:grpSp>
+        <p:nvGrpSpPr>
+          <p:cNvPr id="21" name="群組 20"/>
+          <p:cNvGrpSpPr/>
+          <p:nvPr/>
+        </p:nvGrpSpPr>
+        <p:grpSpPr>
+          <a:xfrm>
+            <a:off x="5012871" y="4419492"/>
+            <a:ext cx="3692048" cy="369332"/>
+            <a:chOff x="11406533" y="1921544"/>
+            <a:chExt cx="3692048" cy="369332"/>
+          </a:xfrm>
+        </p:grpSpPr>
+        <p:sp>
+          <p:nvSpPr>
+            <p:cNvPr id="22" name="文字方塊 21"/>
+            <p:cNvSpPr txBox="1"/>
+            <p:nvPr/>
+          </p:nvSpPr>
+          <p:spPr>
+            <a:xfrm>
+              <a:off x="11406533" y="1921544"/>
+              <a:ext cx="397565" cy="369332"/>
+            </a:xfrm>
+            <a:prstGeom prst="rect">
+              <a:avLst/>
+            </a:prstGeom>
+            <a:ln w="38100">
+              <a:solidFill>
+                <a:srgbClr val="FF0000"/>
+              </a:solidFill>
+            </a:ln>
+          </p:spPr>
+          <p:style>
+            <a:lnRef idx="3">
+              <a:schemeClr val="lt1"/>
+            </a:lnRef>
+            <a:fillRef idx="1">
+              <a:schemeClr val="accent5"/>
+            </a:fillRef>
+            <a:effectRef idx="1">
+              <a:schemeClr val="accent5"/>
+            </a:effectRef>
+            <a:fontRef idx="minor">
+              <a:schemeClr val="lt1"/>
+            </a:fontRef>
+          </p:style>
+          <p:txBody>
+            <a:bodyPr wrap="square" rtlCol="0">
+              <a:spAutoFit/>
+            </a:bodyPr>
+            <a:lstStyle/>
+            <a:p>
+              <a:r>
+                <a:rPr lang="en-US" dirty="0"/>
+                <a:t>5</a:t>
+              </a:r>
+            </a:p>
+          </p:txBody>
+        </p:sp>
+        <p:sp>
+          <p:nvSpPr>
+            <p:cNvPr id="23" name="圓角矩形 9"/>
+            <p:cNvSpPr/>
+            <p:nvPr/>
+          </p:nvSpPr>
+          <p:spPr>
+            <a:xfrm>
+              <a:off x="11804097" y="1948069"/>
+              <a:ext cx="3294484" cy="342807"/>
+            </a:xfrm>
+            <a:prstGeom prst="roundRect">
+              <a:avLst/>
+            </a:prstGeom>
+            <a:noFill/>
+            <a:ln w="28575"/>
+          </p:spPr>
+          <p:style>
+            <a:lnRef idx="2">
+              <a:schemeClr val="accent2"/>
+            </a:lnRef>
+            <a:fillRef idx="1">
+              <a:schemeClr val="lt1"/>
+            </a:fillRef>
+            <a:effectRef idx="0">
+              <a:schemeClr val="accent2"/>
+            </a:effectRef>
+            <a:fontRef idx="minor">
+              <a:schemeClr val="dk1"/>
+            </a:fontRef>
+          </p:style>
+          <p:txBody>
+            <a:bodyPr rtlCol="0" anchor="ctr"/>
+            <a:lstStyle/>
+            <a:p>
+              <a:pPr algn="ctr"/>
+              <a:endParaRPr lang="en-US" dirty="0"/>
+            </a:p>
+          </p:txBody>
+        </p:sp>
+      </p:grpSp>
     </p:spTree>
     <p:extLst>
       <p:ext uri="{BB962C8B-B14F-4D97-AF65-F5344CB8AC3E}">
@@ -9962,6 +10651,30 @@
           <a:chExt cx="0" cy="0"/>
         </a:xfrm>
       </p:grpSpPr>
+      <p:pic>
+        <p:nvPicPr>
+          <p:cNvPr id="21" name="圖片 20"/>
+          <p:cNvPicPr>
+            <a:picLocks noChangeAspect="1"/>
+          </p:cNvPicPr>
+          <p:nvPr/>
+        </p:nvPicPr>
+        <p:blipFill>
+          <a:blip r:embed="rId2"/>
+          <a:stretch>
+            <a:fillRect/>
+          </a:stretch>
+        </p:blipFill>
+        <p:spPr>
+          <a:xfrm>
+            <a:off x="4468385" y="1468575"/>
+            <a:ext cx="7715250" cy="5324475"/>
+          </a:xfrm>
+          <a:prstGeom prst="rect">
+            <a:avLst/>
+          </a:prstGeom>
+        </p:spPr>
+      </p:pic>
       <p:sp>
         <p:nvSpPr>
           <p:cNvPr id="2" name="標題 1"/>
@@ -9977,7 +10690,1031 @@
           <a:bodyPr/>
           <a:lstStyle/>
           <a:p>
-            <a:endParaRPr lang="en-US"/>
+            <a:r>
+              <a:rPr lang="zh-TW" altLang="en-US" dirty="0"/>
+              <a:t>情形１</a:t>
+            </a:r>
+            <a:r>
+              <a:rPr lang="en-US" altLang="zh-TW" dirty="0"/>
+              <a:t>- Han </a:t>
+            </a:r>
+            <a:r>
+              <a:rPr lang="zh-TW" altLang="en-US" dirty="0"/>
+              <a:t>遇到問題</a:t>
+            </a:r>
+            <a:endParaRPr lang="en-US" dirty="0"/>
+          </a:p>
+        </p:txBody>
+      </p:sp>
+      <p:sp>
+        <p:nvSpPr>
+          <p:cNvPr id="3" name="內容版面配置區 2"/>
+          <p:cNvSpPr>
+            <a:spLocks noGrp="1"/>
+          </p:cNvSpPr>
+          <p:nvPr>
+            <p:ph idx="1"/>
+          </p:nvPr>
+        </p:nvSpPr>
+        <p:spPr>
+          <a:xfrm>
+            <a:off x="838200" y="1825625"/>
+            <a:ext cx="3581400" cy="4351338"/>
+          </a:xfrm>
+        </p:spPr>
+        <p:txBody>
+          <a:bodyPr>
+            <a:normAutofit/>
+          </a:bodyPr>
+          <a:lstStyle/>
+          <a:p>
+            <a:pPr marL="342900" indent="-342900">
+              <a:buFont typeface="+mj-lt"/>
+              <a:buAutoNum type="arabicPeriod" startAt="6"/>
+            </a:pPr>
+            <a:r>
+              <a:rPr lang="zh-TW" altLang="en-US" sz="1600" dirty="0"/>
+              <a:t>填寫測試條件</a:t>
+            </a:r>
+            <a:endParaRPr lang="en-US" altLang="zh-TW" sz="1600" dirty="0"/>
+          </a:p>
+          <a:p>
+            <a:pPr marL="342900" indent="-342900">
+              <a:buFont typeface="+mj-lt"/>
+              <a:buAutoNum type="arabicPeriod" startAt="6"/>
+            </a:pPr>
+            <a:r>
+              <a:rPr lang="zh-TW" altLang="en-US" sz="1600" dirty="0"/>
+              <a:t>這裡可以附上數據</a:t>
+            </a:r>
+            <a:endParaRPr lang="en-US" altLang="zh-TW" sz="1600" dirty="0"/>
+          </a:p>
+          <a:p>
+            <a:pPr lvl="1"/>
+            <a:r>
+              <a:rPr lang="en-US" altLang="zh-TW" sz="1200" dirty="0"/>
+              <a:t>THDNRATIO vs POWER</a:t>
+            </a:r>
+            <a:endParaRPr lang="en-US" altLang="zh-TW" sz="1400" dirty="0"/>
+          </a:p>
+          <a:p>
+            <a:pPr marL="342900" indent="-342900">
+              <a:buFont typeface="+mj-lt"/>
+              <a:buAutoNum type="arabicPeriod" startAt="6"/>
+            </a:pPr>
+            <a:r>
+              <a:rPr lang="zh-TW" altLang="en-US" sz="1600" dirty="0"/>
+              <a:t>如果這問題是重複的（已經報告過了）才需要填這裡。　在這情形，只有</a:t>
+            </a:r>
+            <a:r>
+              <a:rPr lang="en-US" altLang="zh-TW" sz="1600" dirty="0"/>
+              <a:t>Rock</a:t>
+            </a:r>
+            <a:r>
+              <a:rPr lang="zh-TW" altLang="en-US" sz="1600" dirty="0"/>
+              <a:t>知道是否有重複，他之後可以更改這點</a:t>
+            </a:r>
+            <a:r>
+              <a:rPr lang="en-US" altLang="zh-TW" sz="1600" dirty="0"/>
+              <a:t>.</a:t>
+            </a:r>
+          </a:p>
+          <a:p>
+            <a:pPr marL="342900" indent="-342900">
+              <a:buFont typeface="+mj-lt"/>
+              <a:buAutoNum type="arabicPeriod" startAt="6"/>
+            </a:pPr>
+            <a:r>
+              <a:rPr lang="zh-TW" altLang="en-US" sz="1600" dirty="0"/>
+              <a:t>由於</a:t>
+            </a:r>
+            <a:r>
+              <a:rPr lang="en-US" altLang="zh-TW" sz="1600" dirty="0"/>
+              <a:t>Rock</a:t>
+            </a:r>
+            <a:r>
+              <a:rPr lang="zh-TW" altLang="en-US" sz="1600" dirty="0"/>
+              <a:t>負責硬體，所以就分配給他。</a:t>
+            </a:r>
+            <a:endParaRPr lang="en-US" altLang="zh-TW" sz="1600" dirty="0"/>
+          </a:p>
+          <a:p>
+            <a:pPr marL="514350" indent="-514350">
+              <a:buFont typeface="+mj-lt"/>
+              <a:buAutoNum type="arabicPeriod" startAt="5"/>
+            </a:pPr>
+            <a:endParaRPr lang="en-US" sz="1600" dirty="0"/>
+          </a:p>
+        </p:txBody>
+      </p:sp>
+      <p:grpSp>
+        <p:nvGrpSpPr>
+          <p:cNvPr id="5" name="群組 4"/>
+          <p:cNvGrpSpPr/>
+          <p:nvPr/>
+        </p:nvGrpSpPr>
+        <p:grpSpPr>
+          <a:xfrm>
+            <a:off x="4579268" y="2059824"/>
+            <a:ext cx="7040183" cy="1475053"/>
+            <a:chOff x="11406533" y="1921544"/>
+            <a:chExt cx="7282507" cy="1475053"/>
+          </a:xfrm>
+        </p:grpSpPr>
+        <p:sp>
+          <p:nvSpPr>
+            <p:cNvPr id="6" name="文字方塊 5"/>
+            <p:cNvSpPr txBox="1"/>
+            <p:nvPr/>
+          </p:nvSpPr>
+          <p:spPr>
+            <a:xfrm>
+              <a:off x="11406533" y="1921544"/>
+              <a:ext cx="397565" cy="369332"/>
+            </a:xfrm>
+            <a:prstGeom prst="rect">
+              <a:avLst/>
+            </a:prstGeom>
+            <a:ln w="38100">
+              <a:solidFill>
+                <a:srgbClr val="FF0000"/>
+              </a:solidFill>
+            </a:ln>
+          </p:spPr>
+          <p:style>
+            <a:lnRef idx="3">
+              <a:schemeClr val="lt1"/>
+            </a:lnRef>
+            <a:fillRef idx="1">
+              <a:schemeClr val="accent5"/>
+            </a:fillRef>
+            <a:effectRef idx="1">
+              <a:schemeClr val="accent5"/>
+            </a:effectRef>
+            <a:fontRef idx="minor">
+              <a:schemeClr val="lt1"/>
+            </a:fontRef>
+          </p:style>
+          <p:txBody>
+            <a:bodyPr wrap="square" rtlCol="0">
+              <a:spAutoFit/>
+            </a:bodyPr>
+            <a:lstStyle/>
+            <a:p>
+              <a:r>
+                <a:rPr lang="en-US" dirty="0"/>
+                <a:t>6</a:t>
+              </a:r>
+            </a:p>
+          </p:txBody>
+        </p:sp>
+        <p:sp>
+          <p:nvSpPr>
+            <p:cNvPr id="7" name="圓角矩形 9"/>
+            <p:cNvSpPr/>
+            <p:nvPr/>
+          </p:nvSpPr>
+          <p:spPr>
+            <a:xfrm>
+              <a:off x="11804097" y="1948069"/>
+              <a:ext cx="6884943" cy="1448528"/>
+            </a:xfrm>
+            <a:prstGeom prst="roundRect">
+              <a:avLst/>
+            </a:prstGeom>
+            <a:noFill/>
+            <a:ln w="28575"/>
+          </p:spPr>
+          <p:style>
+            <a:lnRef idx="2">
+              <a:schemeClr val="accent2"/>
+            </a:lnRef>
+            <a:fillRef idx="1">
+              <a:schemeClr val="lt1"/>
+            </a:fillRef>
+            <a:effectRef idx="0">
+              <a:schemeClr val="accent2"/>
+            </a:effectRef>
+            <a:fontRef idx="minor">
+              <a:schemeClr val="dk1"/>
+            </a:fontRef>
+          </p:style>
+          <p:txBody>
+            <a:bodyPr rtlCol="0" anchor="ctr"/>
+            <a:lstStyle/>
+            <a:p>
+              <a:pPr algn="ctr"/>
+              <a:endParaRPr lang="en-US" dirty="0"/>
+            </a:p>
+          </p:txBody>
+        </p:sp>
+      </p:grpSp>
+      <p:grpSp>
+        <p:nvGrpSpPr>
+          <p:cNvPr id="11" name="群組 10"/>
+          <p:cNvGrpSpPr/>
+          <p:nvPr/>
+        </p:nvGrpSpPr>
+        <p:grpSpPr>
+          <a:xfrm>
+            <a:off x="4695136" y="4155806"/>
+            <a:ext cx="6557300" cy="974294"/>
+            <a:chOff x="11406533" y="1921544"/>
+            <a:chExt cx="6557300" cy="974294"/>
+          </a:xfrm>
+        </p:grpSpPr>
+        <p:sp>
+          <p:nvSpPr>
+            <p:cNvPr id="12" name="文字方塊 11"/>
+            <p:cNvSpPr txBox="1"/>
+            <p:nvPr/>
+          </p:nvSpPr>
+          <p:spPr>
+            <a:xfrm>
+              <a:off x="11406533" y="1921544"/>
+              <a:ext cx="397565" cy="369332"/>
+            </a:xfrm>
+            <a:prstGeom prst="rect">
+              <a:avLst/>
+            </a:prstGeom>
+            <a:ln w="38100">
+              <a:solidFill>
+                <a:srgbClr val="FF0000"/>
+              </a:solidFill>
+            </a:ln>
+          </p:spPr>
+          <p:style>
+            <a:lnRef idx="3">
+              <a:schemeClr val="lt1"/>
+            </a:lnRef>
+            <a:fillRef idx="1">
+              <a:schemeClr val="accent5"/>
+            </a:fillRef>
+            <a:effectRef idx="1">
+              <a:schemeClr val="accent5"/>
+            </a:effectRef>
+            <a:fontRef idx="minor">
+              <a:schemeClr val="lt1"/>
+            </a:fontRef>
+          </p:style>
+          <p:txBody>
+            <a:bodyPr wrap="square" rtlCol="0">
+              <a:spAutoFit/>
+            </a:bodyPr>
+            <a:lstStyle/>
+            <a:p>
+              <a:r>
+                <a:rPr lang="en-US" dirty="0"/>
+                <a:t>7</a:t>
+              </a:r>
+            </a:p>
+          </p:txBody>
+        </p:sp>
+        <p:sp>
+          <p:nvSpPr>
+            <p:cNvPr id="13" name="圓角矩形 9"/>
+            <p:cNvSpPr/>
+            <p:nvPr/>
+          </p:nvSpPr>
+          <p:spPr>
+            <a:xfrm>
+              <a:off x="11787745" y="1922561"/>
+              <a:ext cx="6176088" cy="973277"/>
+            </a:xfrm>
+            <a:prstGeom prst="roundRect">
+              <a:avLst/>
+            </a:prstGeom>
+            <a:noFill/>
+            <a:ln w="28575"/>
+          </p:spPr>
+          <p:style>
+            <a:lnRef idx="2">
+              <a:schemeClr val="accent2"/>
+            </a:lnRef>
+            <a:fillRef idx="1">
+              <a:schemeClr val="lt1"/>
+            </a:fillRef>
+            <a:effectRef idx="0">
+              <a:schemeClr val="accent2"/>
+            </a:effectRef>
+            <a:fontRef idx="minor">
+              <a:schemeClr val="dk1"/>
+            </a:fontRef>
+          </p:style>
+          <p:txBody>
+            <a:bodyPr rtlCol="0" anchor="ctr"/>
+            <a:lstStyle/>
+            <a:p>
+              <a:pPr algn="ctr"/>
+              <a:endParaRPr lang="en-US" dirty="0"/>
+            </a:p>
+          </p:txBody>
+        </p:sp>
+      </p:grpSp>
+      <p:grpSp>
+        <p:nvGrpSpPr>
+          <p:cNvPr id="14" name="群組 13"/>
+          <p:cNvGrpSpPr/>
+          <p:nvPr/>
+        </p:nvGrpSpPr>
+        <p:grpSpPr>
+          <a:xfrm>
+            <a:off x="4598706" y="5267444"/>
+            <a:ext cx="6573652" cy="984344"/>
+            <a:chOff x="11406533" y="1921544"/>
+            <a:chExt cx="6573652" cy="984344"/>
+          </a:xfrm>
+        </p:grpSpPr>
+        <p:sp>
+          <p:nvSpPr>
+            <p:cNvPr id="15" name="文字方塊 14"/>
+            <p:cNvSpPr txBox="1"/>
+            <p:nvPr/>
+          </p:nvSpPr>
+          <p:spPr>
+            <a:xfrm>
+              <a:off x="11406533" y="1921544"/>
+              <a:ext cx="397565" cy="369332"/>
+            </a:xfrm>
+            <a:prstGeom prst="rect">
+              <a:avLst/>
+            </a:prstGeom>
+            <a:ln w="38100">
+              <a:solidFill>
+                <a:srgbClr val="FF0000"/>
+              </a:solidFill>
+            </a:ln>
+          </p:spPr>
+          <p:style>
+            <a:lnRef idx="3">
+              <a:schemeClr val="lt1"/>
+            </a:lnRef>
+            <a:fillRef idx="1">
+              <a:schemeClr val="accent5"/>
+            </a:fillRef>
+            <a:effectRef idx="1">
+              <a:schemeClr val="accent5"/>
+            </a:effectRef>
+            <a:fontRef idx="minor">
+              <a:schemeClr val="lt1"/>
+            </a:fontRef>
+          </p:style>
+          <p:txBody>
+            <a:bodyPr wrap="square" rtlCol="0">
+              <a:spAutoFit/>
+            </a:bodyPr>
+            <a:lstStyle/>
+            <a:p>
+              <a:r>
+                <a:rPr lang="en-US" dirty="0"/>
+                <a:t>8</a:t>
+              </a:r>
+            </a:p>
+          </p:txBody>
+        </p:sp>
+        <p:sp>
+          <p:nvSpPr>
+            <p:cNvPr id="16" name="圓角矩形 9"/>
+            <p:cNvSpPr/>
+            <p:nvPr/>
+          </p:nvSpPr>
+          <p:spPr>
+            <a:xfrm>
+              <a:off x="11804097" y="1948070"/>
+              <a:ext cx="6176088" cy="957818"/>
+            </a:xfrm>
+            <a:prstGeom prst="roundRect">
+              <a:avLst/>
+            </a:prstGeom>
+            <a:noFill/>
+            <a:ln w="28575"/>
+          </p:spPr>
+          <p:style>
+            <a:lnRef idx="2">
+              <a:schemeClr val="accent2"/>
+            </a:lnRef>
+            <a:fillRef idx="1">
+              <a:schemeClr val="lt1"/>
+            </a:fillRef>
+            <a:effectRef idx="0">
+              <a:schemeClr val="accent2"/>
+            </a:effectRef>
+            <a:fontRef idx="minor">
+              <a:schemeClr val="dk1"/>
+            </a:fontRef>
+          </p:style>
+          <p:txBody>
+            <a:bodyPr rtlCol="0" anchor="ctr"/>
+            <a:lstStyle/>
+            <a:p>
+              <a:pPr algn="ctr"/>
+              <a:endParaRPr lang="en-US" dirty="0"/>
+            </a:p>
+          </p:txBody>
+        </p:sp>
+      </p:grpSp>
+      <p:pic>
+        <p:nvPicPr>
+          <p:cNvPr id="22" name="圖片 21"/>
+          <p:cNvPicPr>
+            <a:picLocks noChangeAspect="1"/>
+          </p:cNvPicPr>
+          <p:nvPr/>
+        </p:nvPicPr>
+        <p:blipFill>
+          <a:blip r:embed="rId3"/>
+          <a:stretch>
+            <a:fillRect/>
+          </a:stretch>
+        </p:blipFill>
+        <p:spPr>
+          <a:xfrm>
+            <a:off x="4598706" y="6251788"/>
+            <a:ext cx="7515225" cy="666750"/>
+          </a:xfrm>
+          <a:prstGeom prst="rect">
+            <a:avLst/>
+          </a:prstGeom>
+        </p:spPr>
+      </p:pic>
+      <p:grpSp>
+        <p:nvGrpSpPr>
+          <p:cNvPr id="23" name="群組 22"/>
+          <p:cNvGrpSpPr/>
+          <p:nvPr/>
+        </p:nvGrpSpPr>
+        <p:grpSpPr>
+          <a:xfrm>
+            <a:off x="4695136" y="6224497"/>
+            <a:ext cx="6573652" cy="666147"/>
+            <a:chOff x="11406533" y="2239741"/>
+            <a:chExt cx="6573652" cy="666147"/>
+          </a:xfrm>
+        </p:grpSpPr>
+        <p:sp>
+          <p:nvSpPr>
+            <p:cNvPr id="24" name="文字方塊 23"/>
+            <p:cNvSpPr txBox="1"/>
+            <p:nvPr/>
+          </p:nvSpPr>
+          <p:spPr>
+            <a:xfrm>
+              <a:off x="11406533" y="2239741"/>
+              <a:ext cx="397565" cy="369332"/>
+            </a:xfrm>
+            <a:prstGeom prst="rect">
+              <a:avLst/>
+            </a:prstGeom>
+            <a:ln w="38100">
+              <a:solidFill>
+                <a:srgbClr val="FF0000"/>
+              </a:solidFill>
+            </a:ln>
+          </p:spPr>
+          <p:style>
+            <a:lnRef idx="3">
+              <a:schemeClr val="lt1"/>
+            </a:lnRef>
+            <a:fillRef idx="1">
+              <a:schemeClr val="accent5"/>
+            </a:fillRef>
+            <a:effectRef idx="1">
+              <a:schemeClr val="accent5"/>
+            </a:effectRef>
+            <a:fontRef idx="minor">
+              <a:schemeClr val="lt1"/>
+            </a:fontRef>
+          </p:style>
+          <p:txBody>
+            <a:bodyPr wrap="square" rtlCol="0">
+              <a:spAutoFit/>
+            </a:bodyPr>
+            <a:lstStyle/>
+            <a:p>
+              <a:r>
+                <a:rPr lang="en-US" dirty="0"/>
+                <a:t>9</a:t>
+              </a:r>
+            </a:p>
+          </p:txBody>
+        </p:sp>
+        <p:sp>
+          <p:nvSpPr>
+            <p:cNvPr id="25" name="圓角矩形 9"/>
+            <p:cNvSpPr/>
+            <p:nvPr/>
+          </p:nvSpPr>
+          <p:spPr>
+            <a:xfrm>
+              <a:off x="11804097" y="2290876"/>
+              <a:ext cx="6176088" cy="615012"/>
+            </a:xfrm>
+            <a:prstGeom prst="roundRect">
+              <a:avLst/>
+            </a:prstGeom>
+            <a:noFill/>
+            <a:ln w="28575"/>
+          </p:spPr>
+          <p:style>
+            <a:lnRef idx="2">
+              <a:schemeClr val="accent2"/>
+            </a:lnRef>
+            <a:fillRef idx="1">
+              <a:schemeClr val="lt1"/>
+            </a:fillRef>
+            <a:effectRef idx="0">
+              <a:schemeClr val="accent2"/>
+            </a:effectRef>
+            <a:fontRef idx="minor">
+              <a:schemeClr val="dk1"/>
+            </a:fontRef>
+          </p:style>
+          <p:txBody>
+            <a:bodyPr rtlCol="0" anchor="ctr"/>
+            <a:lstStyle/>
+            <a:p>
+              <a:pPr algn="ctr"/>
+              <a:endParaRPr lang="en-US" dirty="0"/>
+            </a:p>
+          </p:txBody>
+        </p:sp>
+      </p:grpSp>
+    </p:spTree>
+    <p:extLst>
+      <p:ext uri="{BB962C8B-B14F-4D97-AF65-F5344CB8AC3E}">
+        <p14:creationId xmlns:p14="http://schemas.microsoft.com/office/powerpoint/2010/main" val="885544793"/>
+      </p:ext>
+    </p:extLst>
+  </p:cSld>
+  <p:clrMapOvr>
+    <a:masterClrMapping/>
+  </p:clrMapOvr>
+</p:sld>
+</file>
+
+<file path=ppt/slides/slide21.xml><?xml version="1.0" encoding="utf-8"?>
+<p:sld xmlns:a="http://schemas.openxmlformats.org/drawingml/2006/main" xmlns:r="http://schemas.openxmlformats.org/officeDocument/2006/relationships" xmlns:p="http://schemas.openxmlformats.org/presentationml/2006/main">
+  <p:cSld>
+    <p:spTree>
+      <p:nvGrpSpPr>
+        <p:cNvPr id="1" name=""/>
+        <p:cNvGrpSpPr/>
+        <p:nvPr/>
+      </p:nvGrpSpPr>
+      <p:grpSpPr>
+        <a:xfrm>
+          <a:off x="0" y="0"/>
+          <a:ext cx="0" cy="0"/>
+          <a:chOff x="0" y="0"/>
+          <a:chExt cx="0" cy="0"/>
+        </a:xfrm>
+      </p:grpSpPr>
+      <p:sp>
+        <p:nvSpPr>
+          <p:cNvPr id="2" name="標題 1"/>
+          <p:cNvSpPr>
+            <a:spLocks noGrp="1"/>
+          </p:cNvSpPr>
+          <p:nvPr>
+            <p:ph type="title"/>
+          </p:nvPr>
+        </p:nvSpPr>
+        <p:spPr>
+          <a:xfrm>
+            <a:off x="0" y="0"/>
+            <a:ext cx="10515600" cy="1325563"/>
+          </a:xfrm>
+        </p:spPr>
+        <p:txBody>
+          <a:bodyPr>
+            <a:normAutofit/>
+          </a:bodyPr>
+          <a:lstStyle/>
+          <a:p>
+            <a:r>
+              <a:rPr lang="zh-TW" altLang="en-US" sz="3200" dirty="0"/>
+              <a:t>情形１</a:t>
+            </a:r>
+            <a:r>
+              <a:rPr lang="en-US" altLang="zh-TW" sz="3200" dirty="0"/>
+              <a:t>- Han </a:t>
+            </a:r>
+            <a:r>
+              <a:rPr lang="zh-TW" altLang="en-US" sz="3200" dirty="0"/>
+              <a:t>遇到問題</a:t>
+            </a:r>
+            <a:endParaRPr lang="en-US" sz="3200" dirty="0"/>
+          </a:p>
+        </p:txBody>
+      </p:sp>
+      <p:sp>
+        <p:nvSpPr>
+          <p:cNvPr id="4" name="內容版面配置區 2"/>
+          <p:cNvSpPr txBox="1">
+            <a:spLocks/>
+          </p:cNvSpPr>
+          <p:nvPr/>
+        </p:nvSpPr>
+        <p:spPr>
+          <a:xfrm>
+            <a:off x="101082" y="1825625"/>
+            <a:ext cx="3581400" cy="4351338"/>
+          </a:xfrm>
+          <a:prstGeom prst="rect">
+            <a:avLst/>
+          </a:prstGeom>
+        </p:spPr>
+        <p:txBody>
+          <a:bodyPr vert="horz" lIns="91440" tIns="45720" rIns="91440" bIns="45720" rtlCol="0">
+            <a:normAutofit/>
+          </a:bodyPr>
+          <a:lstStyle>
+            <a:lvl1pPr marL="228600" indent="-228600" algn="l" defTabSz="914400" rtl="0" eaLnBrk="1" latinLnBrk="0" hangingPunct="1">
+              <a:lnSpc>
+                <a:spcPct val="90000"/>
+              </a:lnSpc>
+              <a:spcBef>
+                <a:spcPts val="1000"/>
+              </a:spcBef>
+              <a:buFont typeface="Arial" panose="020B0604020202020204" pitchFamily="34" charset="0"/>
+              <a:buChar char="•"/>
+              <a:defRPr sz="2800" kern="1200">
+                <a:solidFill>
+                  <a:schemeClr val="tx1"/>
+                </a:solidFill>
+                <a:latin typeface="+mn-lt"/>
+                <a:ea typeface="+mn-ea"/>
+                <a:cs typeface="+mn-cs"/>
+              </a:defRPr>
+            </a:lvl1pPr>
+            <a:lvl2pPr marL="685800" indent="-228600" algn="l" defTabSz="914400" rtl="0" eaLnBrk="1" latinLnBrk="0" hangingPunct="1">
+              <a:lnSpc>
+                <a:spcPct val="90000"/>
+              </a:lnSpc>
+              <a:spcBef>
+                <a:spcPts val="500"/>
+              </a:spcBef>
+              <a:buFont typeface="Arial" panose="020B0604020202020204" pitchFamily="34" charset="0"/>
+              <a:buChar char="•"/>
+              <a:defRPr sz="2400" kern="1200">
+                <a:solidFill>
+                  <a:schemeClr val="tx1"/>
+                </a:solidFill>
+                <a:latin typeface="+mn-lt"/>
+                <a:ea typeface="+mn-ea"/>
+                <a:cs typeface="+mn-cs"/>
+              </a:defRPr>
+            </a:lvl2pPr>
+            <a:lvl3pPr marL="1143000" indent="-228600" algn="l" defTabSz="914400" rtl="0" eaLnBrk="1" latinLnBrk="0" hangingPunct="1">
+              <a:lnSpc>
+                <a:spcPct val="90000"/>
+              </a:lnSpc>
+              <a:spcBef>
+                <a:spcPts val="500"/>
+              </a:spcBef>
+              <a:buFont typeface="Arial" panose="020B0604020202020204" pitchFamily="34" charset="0"/>
+              <a:buChar char="•"/>
+              <a:defRPr sz="2000" kern="1200">
+                <a:solidFill>
+                  <a:schemeClr val="tx1"/>
+                </a:solidFill>
+                <a:latin typeface="+mn-lt"/>
+                <a:ea typeface="+mn-ea"/>
+                <a:cs typeface="+mn-cs"/>
+              </a:defRPr>
+            </a:lvl3pPr>
+            <a:lvl4pPr marL="1600200" indent="-228600" algn="l" defTabSz="914400" rtl="0" eaLnBrk="1" latinLnBrk="0" hangingPunct="1">
+              <a:lnSpc>
+                <a:spcPct val="90000"/>
+              </a:lnSpc>
+              <a:spcBef>
+                <a:spcPts val="500"/>
+              </a:spcBef>
+              <a:buFont typeface="Arial" panose="020B0604020202020204" pitchFamily="34" charset="0"/>
+              <a:buChar char="•"/>
+              <a:defRPr sz="1800" kern="1200">
+                <a:solidFill>
+                  <a:schemeClr val="tx1"/>
+                </a:solidFill>
+                <a:latin typeface="+mn-lt"/>
+                <a:ea typeface="+mn-ea"/>
+                <a:cs typeface="+mn-cs"/>
+              </a:defRPr>
+            </a:lvl4pPr>
+            <a:lvl5pPr marL="2057400" indent="-228600" algn="l" defTabSz="914400" rtl="0" eaLnBrk="1" latinLnBrk="0" hangingPunct="1">
+              <a:lnSpc>
+                <a:spcPct val="90000"/>
+              </a:lnSpc>
+              <a:spcBef>
+                <a:spcPts val="500"/>
+              </a:spcBef>
+              <a:buFont typeface="Arial" panose="020B0604020202020204" pitchFamily="34" charset="0"/>
+              <a:buChar char="•"/>
+              <a:defRPr sz="1800" kern="1200">
+                <a:solidFill>
+                  <a:schemeClr val="tx1"/>
+                </a:solidFill>
+                <a:latin typeface="+mn-lt"/>
+                <a:ea typeface="+mn-ea"/>
+                <a:cs typeface="+mn-cs"/>
+              </a:defRPr>
+            </a:lvl5pPr>
+            <a:lvl6pPr marL="2514600" indent="-228600" algn="l" defTabSz="914400" rtl="0" eaLnBrk="1" latinLnBrk="0" hangingPunct="1">
+              <a:lnSpc>
+                <a:spcPct val="90000"/>
+              </a:lnSpc>
+              <a:spcBef>
+                <a:spcPts val="500"/>
+              </a:spcBef>
+              <a:buFont typeface="Arial" panose="020B0604020202020204" pitchFamily="34" charset="0"/>
+              <a:buChar char="•"/>
+              <a:defRPr sz="1800" kern="1200">
+                <a:solidFill>
+                  <a:schemeClr val="tx1"/>
+                </a:solidFill>
+                <a:latin typeface="+mn-lt"/>
+                <a:ea typeface="+mn-ea"/>
+                <a:cs typeface="+mn-cs"/>
+              </a:defRPr>
+            </a:lvl6pPr>
+            <a:lvl7pPr marL="2971800" indent="-228600" algn="l" defTabSz="914400" rtl="0" eaLnBrk="1" latinLnBrk="0" hangingPunct="1">
+              <a:lnSpc>
+                <a:spcPct val="90000"/>
+              </a:lnSpc>
+              <a:spcBef>
+                <a:spcPts val="500"/>
+              </a:spcBef>
+              <a:buFont typeface="Arial" panose="020B0604020202020204" pitchFamily="34" charset="0"/>
+              <a:buChar char="•"/>
+              <a:defRPr sz="1800" kern="1200">
+                <a:solidFill>
+                  <a:schemeClr val="tx1"/>
+                </a:solidFill>
+                <a:latin typeface="+mn-lt"/>
+                <a:ea typeface="+mn-ea"/>
+                <a:cs typeface="+mn-cs"/>
+              </a:defRPr>
+            </a:lvl7pPr>
+            <a:lvl8pPr marL="3429000" indent="-228600" algn="l" defTabSz="914400" rtl="0" eaLnBrk="1" latinLnBrk="0" hangingPunct="1">
+              <a:lnSpc>
+                <a:spcPct val="90000"/>
+              </a:lnSpc>
+              <a:spcBef>
+                <a:spcPts val="500"/>
+              </a:spcBef>
+              <a:buFont typeface="Arial" panose="020B0604020202020204" pitchFamily="34" charset="0"/>
+              <a:buChar char="•"/>
+              <a:defRPr sz="1800" kern="1200">
+                <a:solidFill>
+                  <a:schemeClr val="tx1"/>
+                </a:solidFill>
+                <a:latin typeface="+mn-lt"/>
+                <a:ea typeface="+mn-ea"/>
+                <a:cs typeface="+mn-cs"/>
+              </a:defRPr>
+            </a:lvl8pPr>
+            <a:lvl9pPr marL="3886200" indent="-228600" algn="l" defTabSz="914400" rtl="0" eaLnBrk="1" latinLnBrk="0" hangingPunct="1">
+              <a:lnSpc>
+                <a:spcPct val="90000"/>
+              </a:lnSpc>
+              <a:spcBef>
+                <a:spcPts val="500"/>
+              </a:spcBef>
+              <a:buFont typeface="Arial" panose="020B0604020202020204" pitchFamily="34" charset="0"/>
+              <a:buChar char="•"/>
+              <a:defRPr sz="1800" kern="1200">
+                <a:solidFill>
+                  <a:schemeClr val="tx1"/>
+                </a:solidFill>
+                <a:latin typeface="+mn-lt"/>
+                <a:ea typeface="+mn-ea"/>
+                <a:cs typeface="+mn-cs"/>
+              </a:defRPr>
+            </a:lvl9pPr>
+          </a:lstStyle>
+          <a:p>
+            <a:pPr marL="342900" indent="-342900">
+              <a:buFont typeface="+mj-lt"/>
+              <a:buAutoNum type="arabicPeriod" startAt="6"/>
+            </a:pPr>
+            <a:endParaRPr lang="en-US" altLang="zh-TW" sz="1800" dirty="0"/>
+          </a:p>
+          <a:p>
+            <a:pPr marL="342900" indent="-342900">
+              <a:buFont typeface="+mj-lt"/>
+              <a:buAutoNum type="arabicPeriod" startAt="10"/>
+            </a:pPr>
+            <a:r>
+              <a:rPr lang="zh-TW" altLang="en-US" sz="1800" dirty="0"/>
+              <a:t>把剩下資料填滿，不需要敘述得太仔細，以節省時間。可以在解決問題後再補充。</a:t>
+            </a:r>
+            <a:endParaRPr lang="en-US" altLang="zh-TW" sz="1800" dirty="0"/>
+          </a:p>
+          <a:p>
+            <a:pPr marL="514350" indent="-514350">
+              <a:buFont typeface="+mj-lt"/>
+              <a:buAutoNum type="arabicPeriod" startAt="5"/>
+            </a:pPr>
+            <a:endParaRPr lang="en-US" sz="1600" dirty="0"/>
+          </a:p>
+        </p:txBody>
+      </p:sp>
+      <p:pic>
+        <p:nvPicPr>
+          <p:cNvPr id="5" name="圖片 4"/>
+          <p:cNvPicPr>
+            <a:picLocks noChangeAspect="1"/>
+          </p:cNvPicPr>
+          <p:nvPr/>
+        </p:nvPicPr>
+        <p:blipFill>
+          <a:blip r:embed="rId2"/>
+          <a:stretch>
+            <a:fillRect/>
+          </a:stretch>
+        </p:blipFill>
+        <p:spPr>
+          <a:xfrm>
+            <a:off x="4495800" y="0"/>
+            <a:ext cx="7696200" cy="5362575"/>
+          </a:xfrm>
+          <a:prstGeom prst="rect">
+            <a:avLst/>
+          </a:prstGeom>
+        </p:spPr>
+      </p:pic>
+      <p:pic>
+        <p:nvPicPr>
+          <p:cNvPr id="15" name="圖片 14"/>
+          <p:cNvPicPr>
+            <a:picLocks noChangeAspect="1"/>
+          </p:cNvPicPr>
+          <p:nvPr/>
+        </p:nvPicPr>
+        <p:blipFill>
+          <a:blip r:embed="rId3"/>
+          <a:stretch>
+            <a:fillRect/>
+          </a:stretch>
+        </p:blipFill>
+        <p:spPr>
+          <a:xfrm>
+            <a:off x="4495800" y="4707577"/>
+            <a:ext cx="7715250" cy="2343150"/>
+          </a:xfrm>
+          <a:prstGeom prst="rect">
+            <a:avLst/>
+          </a:prstGeom>
+        </p:spPr>
+      </p:pic>
+      <p:grpSp>
+        <p:nvGrpSpPr>
+          <p:cNvPr id="12" name="群組 11"/>
+          <p:cNvGrpSpPr/>
+          <p:nvPr/>
+        </p:nvGrpSpPr>
+        <p:grpSpPr>
+          <a:xfrm>
+            <a:off x="4348607" y="577031"/>
+            <a:ext cx="6573652" cy="6280968"/>
+            <a:chOff x="11406533" y="1921544"/>
+            <a:chExt cx="6573652" cy="6280968"/>
+          </a:xfrm>
+        </p:grpSpPr>
+        <p:sp>
+          <p:nvSpPr>
+            <p:cNvPr id="13" name="文字方塊 12"/>
+            <p:cNvSpPr txBox="1"/>
+            <p:nvPr/>
+          </p:nvSpPr>
+          <p:spPr>
+            <a:xfrm>
+              <a:off x="11406533" y="1921544"/>
+              <a:ext cx="397565" cy="338554"/>
+            </a:xfrm>
+            <a:prstGeom prst="rect">
+              <a:avLst/>
+            </a:prstGeom>
+            <a:ln w="38100">
+              <a:solidFill>
+                <a:srgbClr val="FF0000"/>
+              </a:solidFill>
+            </a:ln>
+          </p:spPr>
+          <p:style>
+            <a:lnRef idx="3">
+              <a:schemeClr val="lt1"/>
+            </a:lnRef>
+            <a:fillRef idx="1">
+              <a:schemeClr val="accent5"/>
+            </a:fillRef>
+            <a:effectRef idx="1">
+              <a:schemeClr val="accent5"/>
+            </a:effectRef>
+            <a:fontRef idx="minor">
+              <a:schemeClr val="lt1"/>
+            </a:fontRef>
+          </p:style>
+          <p:txBody>
+            <a:bodyPr wrap="square" rtlCol="0">
+              <a:spAutoFit/>
+            </a:bodyPr>
+            <a:lstStyle/>
+            <a:p>
+              <a:r>
+                <a:rPr lang="en-US" sz="1600" dirty="0"/>
+                <a:t>10</a:t>
+              </a:r>
+            </a:p>
+          </p:txBody>
+        </p:sp>
+        <p:sp>
+          <p:nvSpPr>
+            <p:cNvPr id="14" name="圓角矩形 9"/>
+            <p:cNvSpPr/>
+            <p:nvPr/>
+          </p:nvSpPr>
+          <p:spPr>
+            <a:xfrm>
+              <a:off x="11682021" y="1948069"/>
+              <a:ext cx="6298164" cy="6254443"/>
+            </a:xfrm>
+            <a:prstGeom prst="roundRect">
+              <a:avLst/>
+            </a:prstGeom>
+            <a:noFill/>
+            <a:ln w="28575"/>
+          </p:spPr>
+          <p:style>
+            <a:lnRef idx="2">
+              <a:schemeClr val="accent2"/>
+            </a:lnRef>
+            <a:fillRef idx="1">
+              <a:schemeClr val="lt1"/>
+            </a:fillRef>
+            <a:effectRef idx="0">
+              <a:schemeClr val="accent2"/>
+            </a:effectRef>
+            <a:fontRef idx="minor">
+              <a:schemeClr val="dk1"/>
+            </a:fontRef>
+          </p:style>
+          <p:txBody>
+            <a:bodyPr rtlCol="0" anchor="ctr"/>
+            <a:lstStyle/>
+            <a:p>
+              <a:pPr algn="ctr"/>
+              <a:endParaRPr lang="en-US" dirty="0"/>
+            </a:p>
+          </p:txBody>
+        </p:sp>
+      </p:grpSp>
+    </p:spTree>
+    <p:extLst>
+      <p:ext uri="{BB962C8B-B14F-4D97-AF65-F5344CB8AC3E}">
+        <p14:creationId xmlns:p14="http://schemas.microsoft.com/office/powerpoint/2010/main" val="95122450"/>
+      </p:ext>
+    </p:extLst>
+  </p:cSld>
+  <p:clrMapOvr>
+    <a:masterClrMapping/>
+  </p:clrMapOvr>
+</p:sld>
+</file>
+
+<file path=ppt/slides/slide22.xml><?xml version="1.0" encoding="utf-8"?>
+<p:sld xmlns:a="http://schemas.openxmlformats.org/drawingml/2006/main" xmlns:r="http://schemas.openxmlformats.org/officeDocument/2006/relationships" xmlns:p="http://schemas.openxmlformats.org/presentationml/2006/main">
+  <p:cSld>
+    <p:spTree>
+      <p:nvGrpSpPr>
+        <p:cNvPr id="1" name=""/>
+        <p:cNvGrpSpPr/>
+        <p:nvPr/>
+      </p:nvGrpSpPr>
+      <p:grpSpPr>
+        <a:xfrm>
+          <a:off x="0" y="0"/>
+          <a:ext cx="0" cy="0"/>
+          <a:chOff x="0" y="0"/>
+          <a:chExt cx="0" cy="0"/>
+        </a:xfrm>
+      </p:grpSpPr>
+      <p:sp>
+        <p:nvSpPr>
+          <p:cNvPr id="2" name="標題 1"/>
+          <p:cNvSpPr>
+            <a:spLocks noGrp="1"/>
+          </p:cNvSpPr>
+          <p:nvPr>
+            <p:ph type="title"/>
+          </p:nvPr>
+        </p:nvSpPr>
+        <p:spPr/>
+        <p:txBody>
+          <a:bodyPr/>
+          <a:lstStyle/>
+          <a:p>
+            <a:endParaRPr lang="en-US" dirty="0"/>
           </a:p>
         </p:txBody>
       </p:sp>
@@ -10000,10 +11737,34 @@
           </a:p>
         </p:txBody>
       </p:sp>
+      <p:pic>
+        <p:nvPicPr>
+          <p:cNvPr id="4" name="圖片 3"/>
+          <p:cNvPicPr>
+            <a:picLocks noChangeAspect="1"/>
+          </p:cNvPicPr>
+          <p:nvPr/>
+        </p:nvPicPr>
+        <p:blipFill>
+          <a:blip r:embed="rId2"/>
+          <a:stretch>
+            <a:fillRect/>
+          </a:stretch>
+        </p:blipFill>
+        <p:spPr>
+          <a:xfrm>
+            <a:off x="3824288" y="3192905"/>
+            <a:ext cx="8367712" cy="3665095"/>
+          </a:xfrm>
+          <a:prstGeom prst="rect">
+            <a:avLst/>
+          </a:prstGeom>
+        </p:spPr>
+      </p:pic>
     </p:spTree>
     <p:extLst>
       <p:ext uri="{BB962C8B-B14F-4D97-AF65-F5344CB8AC3E}">
-        <p14:creationId xmlns:p14="http://schemas.microsoft.com/office/powerpoint/2010/main" val="885544793"/>
+        <p14:creationId xmlns:p14="http://schemas.microsoft.com/office/powerpoint/2010/main" val="771526738"/>
       </p:ext>
     </p:extLst>
   </p:cSld>
@@ -10013,7 +11774,7 @@
 </p:sld>
 </file>
 
-<file path=ppt/slides/slide21.xml><?xml version="1.0" encoding="utf-8"?>
+<file path=ppt/slides/slide23.xml><?xml version="1.0" encoding="utf-8"?>
 <p:sld xmlns:a="http://schemas.openxmlformats.org/drawingml/2006/main" xmlns:r="http://schemas.openxmlformats.org/officeDocument/2006/relationships" xmlns:p="http://schemas.openxmlformats.org/presentationml/2006/main">
   <p:cSld>
     <p:spTree>

--- a/JIRA Proposal.pptx
+++ b/JIRA Proposal.pptx
@@ -5,7 +5,7 @@
     <p:sldMasterId id="2147483648" r:id="rId1"/>
   </p:sldMasterIdLst>
   <p:notesMasterIdLst>
-    <p:notesMasterId r:id="rId25"/>
+    <p:notesMasterId r:id="rId28"/>
   </p:notesMasterIdLst>
   <p:sldIdLst>
     <p:sldId id="256" r:id="rId2"/>
@@ -22,15 +22,18 @@
     <p:sldId id="262" r:id="rId13"/>
     <p:sldId id="261" r:id="rId14"/>
     <p:sldId id="263" r:id="rId15"/>
-    <p:sldId id="271" r:id="rId16"/>
-    <p:sldId id="274" r:id="rId17"/>
-    <p:sldId id="272" r:id="rId18"/>
-    <p:sldId id="273" r:id="rId19"/>
-    <p:sldId id="275" r:id="rId20"/>
-    <p:sldId id="276" r:id="rId21"/>
-    <p:sldId id="278" r:id="rId22"/>
-    <p:sldId id="277" r:id="rId23"/>
-    <p:sldId id="269" r:id="rId24"/>
+    <p:sldId id="280" r:id="rId16"/>
+    <p:sldId id="271" r:id="rId17"/>
+    <p:sldId id="274" r:id="rId18"/>
+    <p:sldId id="272" r:id="rId19"/>
+    <p:sldId id="273" r:id="rId20"/>
+    <p:sldId id="275" r:id="rId21"/>
+    <p:sldId id="276" r:id="rId22"/>
+    <p:sldId id="278" r:id="rId23"/>
+    <p:sldId id="279" r:id="rId24"/>
+    <p:sldId id="281" r:id="rId25"/>
+    <p:sldId id="277" r:id="rId26"/>
+    <p:sldId id="269" r:id="rId27"/>
   </p:sldIdLst>
   <p:sldSz cx="12192000" cy="6858000"/>
   <p:notesSz cx="6858000" cy="9144000"/>
@@ -131,7 +134,7 @@
   </p:defaultTextStyle>
   <p:extLst>
     <p:ext uri="{EFAFB233-063F-42B5-8137-9DF3F51BA10A}">
-      <p15:sldGuideLst xmlns:p15="http://schemas.microsoft.com/office/powerpoint/2012/main"/>
+      <p15:sldGuideLst xmlns:p15="http://schemas.microsoft.com/office/powerpoint/2012/main" xmlns=""/>
     </p:ext>
   </p:extLst>
 </p:presentation>
@@ -1333,6 +1336,13 @@
         </dgm:presLayoutVars>
       </dgm:prSet>
       <dgm:spPr/>
+      <dgm:t>
+        <a:bodyPr/>
+        <a:lstStyle/>
+        <a:p>
+          <a:endParaRPr lang="en-US"/>
+        </a:p>
+      </dgm:t>
     </dgm:pt>
     <dgm:pt modelId="{B47A26EB-9F96-480B-8666-08739B05EB88}" type="pres">
       <dgm:prSet presAssocID="{96031E4D-D28D-48C4-868F-2D42AA82C740}" presName="thickLine" presStyleLbl="alignNode1" presStyleIdx="0" presStyleCnt="1"/>
@@ -1345,6 +1355,13 @@
     <dgm:pt modelId="{91FFA521-B1CB-49FE-960F-AFC6E4887FD4}" type="pres">
       <dgm:prSet presAssocID="{96031E4D-D28D-48C4-868F-2D42AA82C740}" presName="tx1" presStyleLbl="revTx" presStyleIdx="0" presStyleCnt="11"/>
       <dgm:spPr/>
+      <dgm:t>
+        <a:bodyPr/>
+        <a:lstStyle/>
+        <a:p>
+          <a:endParaRPr lang="en-US"/>
+        </a:p>
+      </dgm:t>
     </dgm:pt>
     <dgm:pt modelId="{B27266A7-02F1-4848-82C1-80CAEFFFB229}" type="pres">
       <dgm:prSet presAssocID="{96031E4D-D28D-48C4-868F-2D42AA82C740}" presName="vert1" presStyleCnt="0"/>
@@ -1365,6 +1382,13 @@
     <dgm:pt modelId="{B5F33425-1A3E-4E10-A6FC-2FE4F08D0981}" type="pres">
       <dgm:prSet presAssocID="{3C92D4E1-BACD-4765-A80C-6925FC3491C8}" presName="tx2" presStyleLbl="revTx" presStyleIdx="1" presStyleCnt="11"/>
       <dgm:spPr/>
+      <dgm:t>
+        <a:bodyPr/>
+        <a:lstStyle/>
+        <a:p>
+          <a:endParaRPr lang="en-US"/>
+        </a:p>
+      </dgm:t>
     </dgm:pt>
     <dgm:pt modelId="{D9F83588-672F-4C50-9BBC-967A66F61CB5}" type="pres">
       <dgm:prSet presAssocID="{3C92D4E1-BACD-4765-A80C-6925FC3491C8}" presName="vert2" presStyleCnt="0"/>
@@ -1381,6 +1405,13 @@
     <dgm:pt modelId="{F0668A97-EF06-438E-BF04-8260DA1282DE}" type="pres">
       <dgm:prSet presAssocID="{69494D02-ED62-4FBA-9DAB-63B8C8C868F0}" presName="tx3" presStyleLbl="revTx" presStyleIdx="2" presStyleCnt="11"/>
       <dgm:spPr/>
+      <dgm:t>
+        <a:bodyPr/>
+        <a:lstStyle/>
+        <a:p>
+          <a:endParaRPr lang="en-US"/>
+        </a:p>
+      </dgm:t>
     </dgm:pt>
     <dgm:pt modelId="{0B6C4C33-03E3-4986-8045-097D1B097D5A}" type="pres">
       <dgm:prSet presAssocID="{69494D02-ED62-4FBA-9DAB-63B8C8C868F0}" presName="vert3" presStyleCnt="0"/>
@@ -1401,6 +1432,13 @@
     <dgm:pt modelId="{5A91AF73-8B57-4057-8B7D-7E22A06F3012}" type="pres">
       <dgm:prSet presAssocID="{E0F15334-F44E-4E4B-94E6-79BC028F29CB}" presName="tx3" presStyleLbl="revTx" presStyleIdx="3" presStyleCnt="11"/>
       <dgm:spPr/>
+      <dgm:t>
+        <a:bodyPr/>
+        <a:lstStyle/>
+        <a:p>
+          <a:endParaRPr lang="en-US"/>
+        </a:p>
+      </dgm:t>
     </dgm:pt>
     <dgm:pt modelId="{8FA428F7-7AC0-47E8-8349-AA5CAC5A512C}" type="pres">
       <dgm:prSet presAssocID="{E0F15334-F44E-4E4B-94E6-79BC028F29CB}" presName="vert3" presStyleCnt="0"/>
@@ -1421,6 +1459,13 @@
     <dgm:pt modelId="{DDE61A8D-8170-4F8D-B6E8-B23AA8157E42}" type="pres">
       <dgm:prSet presAssocID="{BA7AA3E8-7CAE-4CF1-992F-BE91FC0B1C3D}" presName="tx3" presStyleLbl="revTx" presStyleIdx="4" presStyleCnt="11"/>
       <dgm:spPr/>
+      <dgm:t>
+        <a:bodyPr/>
+        <a:lstStyle/>
+        <a:p>
+          <a:endParaRPr lang="en-US"/>
+        </a:p>
+      </dgm:t>
     </dgm:pt>
     <dgm:pt modelId="{CFB63D1E-EA44-4741-84A5-894527C4237C}" type="pres">
       <dgm:prSet presAssocID="{BA7AA3E8-7CAE-4CF1-992F-BE91FC0B1C3D}" presName="vert3" presStyleCnt="0"/>
@@ -1441,6 +1486,13 @@
     <dgm:pt modelId="{5AB2F9B3-2CA9-4F6E-9CBC-8A955EC6C7AD}" type="pres">
       <dgm:prSet presAssocID="{3EFCFA70-BAA8-42FA-BAED-67A769D28B5A}" presName="tx3" presStyleLbl="revTx" presStyleIdx="5" presStyleCnt="11"/>
       <dgm:spPr/>
+      <dgm:t>
+        <a:bodyPr/>
+        <a:lstStyle/>
+        <a:p>
+          <a:endParaRPr lang="en-US"/>
+        </a:p>
+      </dgm:t>
     </dgm:pt>
     <dgm:pt modelId="{DAB02059-B5CB-445D-9F20-C0A1E1F7A420}" type="pres">
       <dgm:prSet presAssocID="{3EFCFA70-BAA8-42FA-BAED-67A769D28B5A}" presName="vert3" presStyleCnt="0"/>
@@ -1465,6 +1517,13 @@
     <dgm:pt modelId="{1FBF18C2-C522-4934-8209-0F41BA8036A7}" type="pres">
       <dgm:prSet presAssocID="{44BD5099-CC45-486F-8BF4-7858357AA37C}" presName="tx2" presStyleLbl="revTx" presStyleIdx="6" presStyleCnt="11"/>
       <dgm:spPr/>
+      <dgm:t>
+        <a:bodyPr/>
+        <a:lstStyle/>
+        <a:p>
+          <a:endParaRPr lang="en-US"/>
+        </a:p>
+      </dgm:t>
     </dgm:pt>
     <dgm:pt modelId="{7E9A5E31-CC8C-4879-A4C6-4A5CA66BABFE}" type="pres">
       <dgm:prSet presAssocID="{44BD5099-CC45-486F-8BF4-7858357AA37C}" presName="vert2" presStyleCnt="0"/>
@@ -1481,6 +1540,13 @@
     <dgm:pt modelId="{78295BEF-CCC3-4CCF-AA9F-ABD5C23C742E}" type="pres">
       <dgm:prSet presAssocID="{969DBCC2-BD27-4667-A20C-0A1156DF7ABE}" presName="tx3" presStyleLbl="revTx" presStyleIdx="7" presStyleCnt="11"/>
       <dgm:spPr/>
+      <dgm:t>
+        <a:bodyPr/>
+        <a:lstStyle/>
+        <a:p>
+          <a:endParaRPr lang="en-US"/>
+        </a:p>
+      </dgm:t>
     </dgm:pt>
     <dgm:pt modelId="{58FD7556-F1B3-4BA2-80C9-440C41E92E71}" type="pres">
       <dgm:prSet presAssocID="{969DBCC2-BD27-4667-A20C-0A1156DF7ABE}" presName="vert3" presStyleCnt="0"/>
@@ -1501,6 +1567,13 @@
     <dgm:pt modelId="{CD6CFE11-9179-4688-BC19-B4CA8108F57D}" type="pres">
       <dgm:prSet presAssocID="{CD7D9F0F-9E18-41E1-AC1A-7633ADF1EB15}" presName="tx3" presStyleLbl="revTx" presStyleIdx="8" presStyleCnt="11"/>
       <dgm:spPr/>
+      <dgm:t>
+        <a:bodyPr/>
+        <a:lstStyle/>
+        <a:p>
+          <a:endParaRPr lang="en-US"/>
+        </a:p>
+      </dgm:t>
     </dgm:pt>
     <dgm:pt modelId="{C6A831F3-ED46-49C8-9D74-1A3FD7F4E321}" type="pres">
       <dgm:prSet presAssocID="{CD7D9F0F-9E18-41E1-AC1A-7633ADF1EB15}" presName="vert3" presStyleCnt="0"/>
@@ -1521,6 +1594,13 @@
     <dgm:pt modelId="{7DF26F38-6605-45D4-B2E9-B8EB5A172D2D}" type="pres">
       <dgm:prSet presAssocID="{9B9F1E8D-F6AF-4A92-A512-18F16225FAC0}" presName="tx3" presStyleLbl="revTx" presStyleIdx="9" presStyleCnt="11"/>
       <dgm:spPr/>
+      <dgm:t>
+        <a:bodyPr/>
+        <a:lstStyle/>
+        <a:p>
+          <a:endParaRPr lang="en-US"/>
+        </a:p>
+      </dgm:t>
     </dgm:pt>
     <dgm:pt modelId="{37F70807-B406-4595-BEBB-7048D9D29D6C}" type="pres">
       <dgm:prSet presAssocID="{9B9F1E8D-F6AF-4A92-A512-18F16225FAC0}" presName="vert3" presStyleCnt="0"/>
@@ -1541,6 +1621,13 @@
     <dgm:pt modelId="{C864480E-D2DB-4E43-B6AF-095476CEFA56}" type="pres">
       <dgm:prSet presAssocID="{0D317010-6340-4490-A05A-BF99E7BDA71B}" presName="tx3" presStyleLbl="revTx" presStyleIdx="10" presStyleCnt="11"/>
       <dgm:spPr/>
+      <dgm:t>
+        <a:bodyPr/>
+        <a:lstStyle/>
+        <a:p>
+          <a:endParaRPr lang="en-US"/>
+        </a:p>
+      </dgm:t>
     </dgm:pt>
     <dgm:pt modelId="{A10C462B-6DD4-4F2D-92BB-01C76FC45DE0}" type="pres">
       <dgm:prSet presAssocID="{0D317010-6340-4490-A05A-BF99E7BDA71B}" presName="vert3" presStyleCnt="0"/>
@@ -1740,7 +1827,7 @@
         </a:bodyPr>
         <a:lstStyle/>
         <a:p>
-          <a:pPr marL="0" lvl="0" indent="0" algn="l" defTabSz="2889250">
+          <a:pPr lvl="0" algn="l" defTabSz="2889250">
             <a:lnSpc>
               <a:spcPct val="90000"/>
             </a:lnSpc>
@@ -1750,7 +1837,6 @@
             <a:spcAft>
               <a:spcPct val="35000"/>
             </a:spcAft>
-            <a:buNone/>
           </a:pPr>
           <a:r>
             <a:rPr lang="en-US" altLang="zh-TW" sz="6500" kern="1200" dirty="0"/>
@@ -1801,7 +1887,7 @@
         </a:bodyPr>
         <a:lstStyle/>
         <a:p>
-          <a:pPr marL="0" lvl="0" indent="0" algn="l" defTabSz="2889250">
+          <a:pPr lvl="0" algn="l" defTabSz="2889250">
             <a:lnSpc>
               <a:spcPct val="90000"/>
             </a:lnSpc>
@@ -1811,7 +1897,6 @@
             <a:spcAft>
               <a:spcPct val="35000"/>
             </a:spcAft>
-            <a:buNone/>
           </a:pPr>
           <a:r>
             <a:rPr lang="zh-TW" altLang="en-US" sz="6500" kern="1200" dirty="0"/>
@@ -1861,7 +1946,7 @@
         </a:bodyPr>
         <a:lstStyle/>
         <a:p>
-          <a:pPr marL="0" lvl="0" indent="0" algn="l" defTabSz="933450">
+          <a:pPr lvl="0" algn="l" defTabSz="933450">
             <a:lnSpc>
               <a:spcPct val="90000"/>
             </a:lnSpc>
@@ -1871,7 +1956,6 @@
             <a:spcAft>
               <a:spcPct val="35000"/>
             </a:spcAft>
-            <a:buNone/>
           </a:pPr>
           <a:r>
             <a:rPr lang="zh-TW" altLang="en-US" sz="2100" kern="1200" dirty="0"/>
@@ -1983,7 +2067,7 @@
         </a:bodyPr>
         <a:lstStyle/>
         <a:p>
-          <a:pPr marL="0" lvl="0" indent="0" algn="l" defTabSz="933450">
+          <a:pPr lvl="0" algn="l" defTabSz="933450">
             <a:lnSpc>
               <a:spcPct val="90000"/>
             </a:lnSpc>
@@ -1993,7 +2077,6 @@
             <a:spcAft>
               <a:spcPct val="35000"/>
             </a:spcAft>
-            <a:buNone/>
           </a:pPr>
           <a:r>
             <a:rPr lang="zh-TW" altLang="en-US" sz="2100" kern="1200" dirty="0"/>
@@ -2097,7 +2180,7 @@
         </a:bodyPr>
         <a:lstStyle/>
         <a:p>
-          <a:pPr marL="0" lvl="0" indent="0" algn="l" defTabSz="933450">
+          <a:pPr lvl="0" algn="l" defTabSz="933450">
             <a:lnSpc>
               <a:spcPct val="90000"/>
             </a:lnSpc>
@@ -2107,7 +2190,6 @@
             <a:spcAft>
               <a:spcPct val="35000"/>
             </a:spcAft>
-            <a:buNone/>
           </a:pPr>
           <a:r>
             <a:rPr lang="zh-TW" altLang="en-US" sz="2100" kern="1200" dirty="0"/>
@@ -2211,7 +2293,7 @@
         </a:bodyPr>
         <a:lstStyle/>
         <a:p>
-          <a:pPr marL="0" lvl="0" indent="0" algn="l" defTabSz="933450">
+          <a:pPr lvl="0" algn="l" defTabSz="933450">
             <a:lnSpc>
               <a:spcPct val="90000"/>
             </a:lnSpc>
@@ -2221,7 +2303,6 @@
             <a:spcAft>
               <a:spcPct val="35000"/>
             </a:spcAft>
-            <a:buNone/>
           </a:pPr>
           <a:r>
             <a:rPr lang="zh-TW" altLang="en-US" sz="2100" kern="1200" dirty="0"/>
@@ -2320,7 +2401,7 @@
         </a:bodyPr>
         <a:lstStyle/>
         <a:p>
-          <a:pPr marL="0" lvl="0" indent="0" algn="l" defTabSz="2889250">
+          <a:pPr lvl="0" algn="l" defTabSz="2889250">
             <a:lnSpc>
               <a:spcPct val="90000"/>
             </a:lnSpc>
@@ -2330,7 +2411,6 @@
             <a:spcAft>
               <a:spcPct val="35000"/>
             </a:spcAft>
-            <a:buNone/>
           </a:pPr>
           <a:r>
             <a:rPr lang="zh-TW" altLang="en-US" sz="6500" kern="1200" dirty="0"/>
@@ -2380,7 +2460,7 @@
         </a:bodyPr>
         <a:lstStyle/>
         <a:p>
-          <a:pPr marL="0" lvl="0" indent="0" algn="l" defTabSz="933450">
+          <a:pPr lvl="0" algn="l" defTabSz="933450">
             <a:lnSpc>
               <a:spcPct val="90000"/>
             </a:lnSpc>
@@ -2390,7 +2470,6 @@
             <a:spcAft>
               <a:spcPct val="35000"/>
             </a:spcAft>
-            <a:buNone/>
           </a:pPr>
           <a:r>
             <a:rPr lang="en-US" altLang="zh-TW" sz="2100" kern="1200" dirty="0"/>
@@ -2493,7 +2572,7 @@
         </a:bodyPr>
         <a:lstStyle/>
         <a:p>
-          <a:pPr marL="0" lvl="0" indent="0" algn="l" defTabSz="933450">
+          <a:pPr lvl="0" algn="l" defTabSz="933450">
             <a:lnSpc>
               <a:spcPct val="90000"/>
             </a:lnSpc>
@@ -2503,7 +2582,6 @@
             <a:spcAft>
               <a:spcPct val="35000"/>
             </a:spcAft>
-            <a:buNone/>
           </a:pPr>
           <a:r>
             <a:rPr lang="zh-TW" altLang="en-US" sz="2100" kern="1200" dirty="0"/>
@@ -2607,7 +2685,7 @@
         </a:bodyPr>
         <a:lstStyle/>
         <a:p>
-          <a:pPr marL="0" lvl="0" indent="0" algn="l" defTabSz="933450">
+          <a:pPr lvl="0" algn="l" defTabSz="933450">
             <a:lnSpc>
               <a:spcPct val="90000"/>
             </a:lnSpc>
@@ -2617,7 +2695,6 @@
             <a:spcAft>
               <a:spcPct val="35000"/>
             </a:spcAft>
-            <a:buNone/>
           </a:pPr>
           <a:r>
             <a:rPr lang="en-US" altLang="zh-TW" sz="2100" kern="1200" dirty="0"/>
@@ -2720,7 +2797,7 @@
         </a:bodyPr>
         <a:lstStyle/>
         <a:p>
-          <a:pPr marL="0" lvl="0" indent="0" algn="l" defTabSz="933450">
+          <a:pPr lvl="0" algn="l" defTabSz="933450">
             <a:lnSpc>
               <a:spcPct val="90000"/>
             </a:lnSpc>
@@ -2730,7 +2807,6 @@
             <a:spcAft>
               <a:spcPct val="35000"/>
             </a:spcAft>
-            <a:buNone/>
           </a:pPr>
           <a:r>
             <a:rPr lang="zh-TW" altLang="en-US" sz="2100" kern="1200" dirty="0"/>
@@ -4378,7 +4454,7 @@
           <a:p>
             <a:fld id="{26CCDB54-1552-4A9E-ACA4-FE1AF75EFFDB}" type="datetimeFigureOut">
               <a:rPr lang="en-US" smtClean="0"/>
-              <a:t>8/2/2016</a:t>
+              <a:t>02/08/16</a:t>
             </a:fld>
             <a:endParaRPr lang="en-US"/>
           </a:p>
@@ -4725,7 +4801,7 @@
           <a:p>
             <a:fld id="{A8F09AF7-3E4D-453C-9BB5-024130F6640E}" type="slidenum">
               <a:rPr lang="en-US" smtClean="0"/>
-              <a:t>16</a:t>
+              <a:t>17</a:t>
             </a:fld>
             <a:endParaRPr lang="en-US"/>
           </a:p>
@@ -4823,7 +4899,7 @@
           <a:p>
             <a:fld id="{A8F09AF7-3E4D-453C-9BB5-024130F6640E}" type="slidenum">
               <a:rPr lang="en-US" smtClean="0"/>
-              <a:t>18</a:t>
+              <a:t>19</a:t>
             </a:fld>
             <a:endParaRPr lang="en-US"/>
           </a:p>
@@ -4907,7 +4983,7 @@
           <a:p>
             <a:fld id="{A8F09AF7-3E4D-453C-9BB5-024130F6640E}" type="slidenum">
               <a:rPr lang="en-US" smtClean="0"/>
-              <a:t>19</a:t>
+              <a:t>20</a:t>
             </a:fld>
             <a:endParaRPr lang="en-US"/>
           </a:p>
@@ -4917,6 +4993,281 @@
     <p:extLst>
       <p:ext uri="{BB962C8B-B14F-4D97-AF65-F5344CB8AC3E}">
         <p14:creationId xmlns:p14="http://schemas.microsoft.com/office/powerpoint/2010/main" val="2225642060"/>
+      </p:ext>
+    </p:extLst>
+  </p:cSld>
+  <p:clrMapOvr>
+    <a:masterClrMapping/>
+  </p:clrMapOvr>
+</p:notes>
+</file>
+
+<file path=ppt/notesSlides/notesSlide4.xml><?xml version="1.0" encoding="utf-8"?>
+<p:notes xmlns:a="http://schemas.openxmlformats.org/drawingml/2006/main" xmlns:r="http://schemas.openxmlformats.org/officeDocument/2006/relationships" xmlns:p="http://schemas.openxmlformats.org/presentationml/2006/main">
+  <p:cSld>
+    <p:spTree>
+      <p:nvGrpSpPr>
+        <p:cNvPr id="1" name=""/>
+        <p:cNvGrpSpPr/>
+        <p:nvPr/>
+      </p:nvGrpSpPr>
+      <p:grpSpPr>
+        <a:xfrm>
+          <a:off x="0" y="0"/>
+          <a:ext cx="0" cy="0"/>
+          <a:chOff x="0" y="0"/>
+          <a:chExt cx="0" cy="0"/>
+        </a:xfrm>
+      </p:grpSpPr>
+      <p:sp>
+        <p:nvSpPr>
+          <p:cNvPr id="2" name="Slide Image Placeholder 1"/>
+          <p:cNvSpPr>
+            <a:spLocks noGrp="1" noRot="1" noChangeAspect="1"/>
+          </p:cNvSpPr>
+          <p:nvPr>
+            <p:ph type="sldImg"/>
+          </p:nvPr>
+        </p:nvSpPr>
+        <p:spPr/>
+      </p:sp>
+      <p:sp>
+        <p:nvSpPr>
+          <p:cNvPr id="3" name="Notes Placeholder 2"/>
+          <p:cNvSpPr>
+            <a:spLocks noGrp="1"/>
+          </p:cNvSpPr>
+          <p:nvPr>
+            <p:ph type="body" idx="1"/>
+          </p:nvPr>
+        </p:nvSpPr>
+        <p:spPr/>
+        <p:txBody>
+          <a:bodyPr/>
+          <a:lstStyle/>
+          <a:p>
+            <a:r>
+              <a:rPr lang="zh-TW" altLang="en-US" dirty="0" smtClean="0"/>
+              <a:t>以在</a:t>
+            </a:r>
+            <a:r>
+              <a:rPr lang="en-GB" altLang="zh-TW" dirty="0" smtClean="0"/>
+              <a:t>SONY</a:t>
+            </a:r>
+            <a:r>
+              <a:rPr lang="zh-TW" altLang="en-US" dirty="0" smtClean="0"/>
+              <a:t>的狀況，如果遇到這種</a:t>
+            </a:r>
+            <a:r>
+              <a:rPr lang="en-US" altLang="zh-TW" dirty="0" smtClean="0"/>
+              <a:t>PCB</a:t>
+            </a:r>
+            <a:r>
+              <a:rPr lang="zh-TW" altLang="en-US" dirty="0" smtClean="0"/>
+              <a:t>更改，就需要等下一個</a:t>
+            </a:r>
+            <a:r>
+              <a:rPr lang="en-US" altLang="zh-TW" dirty="0" smtClean="0"/>
+              <a:t>PCB</a:t>
+            </a:r>
+            <a:r>
+              <a:rPr lang="zh-TW" altLang="en-US" dirty="0" smtClean="0"/>
+              <a:t>出來確認後，才可以</a:t>
+            </a:r>
+            <a:r>
+              <a:rPr lang="en-US" altLang="zh-TW" dirty="0" smtClean="0"/>
+              <a:t>Closed</a:t>
+            </a:r>
+            <a:r>
+              <a:rPr lang="zh-TW" altLang="en-US" dirty="0" smtClean="0"/>
+              <a:t>。要不然不知道是否真的</a:t>
+            </a:r>
+            <a:r>
+              <a:rPr lang="en-US" altLang="zh-TW" dirty="0" smtClean="0"/>
+              <a:t>Closed</a:t>
+            </a:r>
+            <a:r>
+              <a:rPr lang="zh-TW" altLang="en-US" dirty="0" smtClean="0"/>
+              <a:t>。</a:t>
+            </a:r>
+            <a:endParaRPr lang="en-GB" altLang="zh-TW" dirty="0" smtClean="0"/>
+          </a:p>
+          <a:p>
+            <a:r>
+              <a:rPr lang="zh-TW" altLang="en-US" dirty="0" smtClean="0"/>
+              <a:t>他們有</a:t>
+            </a:r>
+            <a:r>
+              <a:rPr lang="en-GB" altLang="zh-TW" dirty="0" smtClean="0"/>
+              <a:t>CAD out  </a:t>
+            </a:r>
+            <a:r>
+              <a:rPr lang="zh-TW" altLang="en-US" dirty="0" smtClean="0"/>
+              <a:t>日期，這日期之後不能有其他改變。</a:t>
+            </a:r>
+            <a:endParaRPr lang="en-US" dirty="0" smtClean="0"/>
+          </a:p>
+          <a:p>
+            <a:r>
+              <a:rPr lang="en-US" dirty="0" smtClean="0"/>
+              <a:t>Verify - </a:t>
+            </a:r>
+          </a:p>
+          <a:p>
+            <a:r>
+              <a:rPr lang="en-US" dirty="0" smtClean="0"/>
+              <a:t>, Verified</a:t>
+            </a:r>
+          </a:p>
+          <a:p>
+            <a:pPr marL="171450" indent="-171450">
+              <a:buFontTx/>
+              <a:buChar char="-"/>
+            </a:pPr>
+            <a:r>
+              <a:rPr lang="en-US" dirty="0" smtClean="0"/>
+              <a:t>Already verified right after Rock, but not yet evaluated the new PCB version.</a:t>
+            </a:r>
+          </a:p>
+          <a:p>
+            <a:pPr marL="0" indent="0">
+              <a:buFontTx/>
+              <a:buNone/>
+            </a:pPr>
+            <a:r>
+              <a:rPr lang="en-US" dirty="0" smtClean="0"/>
+              <a:t>Closed</a:t>
+            </a:r>
+            <a:r>
+              <a:rPr lang="en-US" baseline="0" dirty="0" smtClean="0"/>
+              <a:t> is when: PCB is released/SW released?</a:t>
+            </a:r>
+            <a:endParaRPr lang="en-US" dirty="0" smtClean="0"/>
+          </a:p>
+          <a:p>
+            <a:endParaRPr lang="en-US" dirty="0"/>
+          </a:p>
+        </p:txBody>
+      </p:sp>
+      <p:sp>
+        <p:nvSpPr>
+          <p:cNvPr id="4" name="Slide Number Placeholder 3"/>
+          <p:cNvSpPr>
+            <a:spLocks noGrp="1"/>
+          </p:cNvSpPr>
+          <p:nvPr>
+            <p:ph type="sldNum" sz="quarter" idx="10"/>
+          </p:nvPr>
+        </p:nvSpPr>
+        <p:spPr/>
+        <p:txBody>
+          <a:bodyPr/>
+          <a:lstStyle/>
+          <a:p>
+            <a:fld id="{A8F09AF7-3E4D-453C-9BB5-024130F6640E}" type="slidenum">
+              <a:rPr lang="en-US" smtClean="0"/>
+              <a:t>23</a:t>
+            </a:fld>
+            <a:endParaRPr lang="en-US"/>
+          </a:p>
+        </p:txBody>
+      </p:sp>
+    </p:spTree>
+    <p:extLst>
+      <p:ext uri="{BB962C8B-B14F-4D97-AF65-F5344CB8AC3E}">
+        <p14:creationId xmlns:p14="http://schemas.microsoft.com/office/powerpoint/2010/main" val="2686458227"/>
+      </p:ext>
+    </p:extLst>
+  </p:cSld>
+  <p:clrMapOvr>
+    <a:masterClrMapping/>
+  </p:clrMapOvr>
+</p:notes>
+</file>
+
+<file path=ppt/notesSlides/notesSlide5.xml><?xml version="1.0" encoding="utf-8"?>
+<p:notes xmlns:a="http://schemas.openxmlformats.org/drawingml/2006/main" xmlns:r="http://schemas.openxmlformats.org/officeDocument/2006/relationships" xmlns:p="http://schemas.openxmlformats.org/presentationml/2006/main">
+  <p:cSld>
+    <p:spTree>
+      <p:nvGrpSpPr>
+        <p:cNvPr id="1" name=""/>
+        <p:cNvGrpSpPr/>
+        <p:nvPr/>
+      </p:nvGrpSpPr>
+      <p:grpSpPr>
+        <a:xfrm>
+          <a:off x="0" y="0"/>
+          <a:ext cx="0" cy="0"/>
+          <a:chOff x="0" y="0"/>
+          <a:chExt cx="0" cy="0"/>
+        </a:xfrm>
+      </p:grpSpPr>
+      <p:sp>
+        <p:nvSpPr>
+          <p:cNvPr id="2" name="Slide Image Placeholder 1"/>
+          <p:cNvSpPr>
+            <a:spLocks noGrp="1" noRot="1" noChangeAspect="1"/>
+          </p:cNvSpPr>
+          <p:nvPr>
+            <p:ph type="sldImg"/>
+          </p:nvPr>
+        </p:nvSpPr>
+        <p:spPr/>
+      </p:sp>
+      <p:sp>
+        <p:nvSpPr>
+          <p:cNvPr id="3" name="Notes Placeholder 2"/>
+          <p:cNvSpPr>
+            <a:spLocks noGrp="1"/>
+          </p:cNvSpPr>
+          <p:nvPr>
+            <p:ph type="body" idx="1"/>
+          </p:nvPr>
+        </p:nvSpPr>
+        <p:spPr/>
+        <p:txBody>
+          <a:bodyPr/>
+          <a:lstStyle/>
+          <a:p>
+            <a:r>
+              <a:rPr lang="en-US" dirty="0" smtClean="0"/>
+              <a:t>Purpose is to let manager knows what </a:t>
+            </a:r>
+            <a:r>
+              <a:rPr lang="en-US" smtClean="0"/>
+              <a:t>is going on.</a:t>
+            </a:r>
+            <a:endParaRPr lang="en-US"/>
+          </a:p>
+        </p:txBody>
+      </p:sp>
+      <p:sp>
+        <p:nvSpPr>
+          <p:cNvPr id="4" name="Slide Number Placeholder 3"/>
+          <p:cNvSpPr>
+            <a:spLocks noGrp="1"/>
+          </p:cNvSpPr>
+          <p:nvPr>
+            <p:ph type="sldNum" sz="quarter" idx="10"/>
+          </p:nvPr>
+        </p:nvSpPr>
+        <p:spPr/>
+        <p:txBody>
+          <a:bodyPr/>
+          <a:lstStyle/>
+          <a:p>
+            <a:fld id="{A8F09AF7-3E4D-453C-9BB5-024130F6640E}" type="slidenum">
+              <a:rPr lang="en-US" smtClean="0"/>
+              <a:t>24</a:t>
+            </a:fld>
+            <a:endParaRPr lang="en-US"/>
+          </a:p>
+        </p:txBody>
+      </p:sp>
+    </p:spTree>
+    <p:extLst>
+      <p:ext uri="{BB962C8B-B14F-4D97-AF65-F5344CB8AC3E}">
+        <p14:creationId xmlns:p14="http://schemas.microsoft.com/office/powerpoint/2010/main" val="2658069343"/>
       </p:ext>
     </p:extLst>
   </p:cSld>
@@ -5057,7 +5408,7 @@
           <a:p>
             <a:fld id="{FFF558EC-B290-447F-A6E5-7AC0F111F7F5}" type="datetimeFigureOut">
               <a:rPr lang="en-US" smtClean="0"/>
-              <a:t>8/2/2016</a:t>
+              <a:t>02/08/16</a:t>
             </a:fld>
             <a:endParaRPr lang="en-US"/>
           </a:p>
@@ -5227,7 +5578,7 @@
           <a:p>
             <a:fld id="{FFF558EC-B290-447F-A6E5-7AC0F111F7F5}" type="datetimeFigureOut">
               <a:rPr lang="en-US" smtClean="0"/>
-              <a:t>8/2/2016</a:t>
+              <a:t>02/08/16</a:t>
             </a:fld>
             <a:endParaRPr lang="en-US"/>
           </a:p>
@@ -5407,7 +5758,7 @@
           <a:p>
             <a:fld id="{FFF558EC-B290-447F-A6E5-7AC0F111F7F5}" type="datetimeFigureOut">
               <a:rPr lang="en-US" smtClean="0"/>
-              <a:t>8/2/2016</a:t>
+              <a:t>02/08/16</a:t>
             </a:fld>
             <a:endParaRPr lang="en-US"/>
           </a:p>
@@ -5577,7 +5928,7 @@
           <a:p>
             <a:fld id="{FFF558EC-B290-447F-A6E5-7AC0F111F7F5}" type="datetimeFigureOut">
               <a:rPr lang="en-US" smtClean="0"/>
-              <a:t>8/2/2016</a:t>
+              <a:t>02/08/16</a:t>
             </a:fld>
             <a:endParaRPr lang="en-US"/>
           </a:p>
@@ -5823,7 +6174,7 @@
           <a:p>
             <a:fld id="{FFF558EC-B290-447F-A6E5-7AC0F111F7F5}" type="datetimeFigureOut">
               <a:rPr lang="en-US" smtClean="0"/>
-              <a:t>8/2/2016</a:t>
+              <a:t>02/08/16</a:t>
             </a:fld>
             <a:endParaRPr lang="en-US"/>
           </a:p>
@@ -6055,7 +6406,7 @@
           <a:p>
             <a:fld id="{FFF558EC-B290-447F-A6E5-7AC0F111F7F5}" type="datetimeFigureOut">
               <a:rPr lang="en-US" smtClean="0"/>
-              <a:t>8/2/2016</a:t>
+              <a:t>02/08/16</a:t>
             </a:fld>
             <a:endParaRPr lang="en-US"/>
           </a:p>
@@ -6422,7 +6773,7 @@
           <a:p>
             <a:fld id="{FFF558EC-B290-447F-A6E5-7AC0F111F7F5}" type="datetimeFigureOut">
               <a:rPr lang="en-US" smtClean="0"/>
-              <a:t>8/2/2016</a:t>
+              <a:t>02/08/16</a:t>
             </a:fld>
             <a:endParaRPr lang="en-US"/>
           </a:p>
@@ -6540,7 +6891,7 @@
           <a:p>
             <a:fld id="{FFF558EC-B290-447F-A6E5-7AC0F111F7F5}" type="datetimeFigureOut">
               <a:rPr lang="en-US" smtClean="0"/>
-              <a:t>8/2/2016</a:t>
+              <a:t>02/08/16</a:t>
             </a:fld>
             <a:endParaRPr lang="en-US"/>
           </a:p>
@@ -6635,7 +6986,7 @@
           <a:p>
             <a:fld id="{FFF558EC-B290-447F-A6E5-7AC0F111F7F5}" type="datetimeFigureOut">
               <a:rPr lang="en-US" smtClean="0"/>
-              <a:t>8/2/2016</a:t>
+              <a:t>02/08/16</a:t>
             </a:fld>
             <a:endParaRPr lang="en-US"/>
           </a:p>
@@ -6912,7 +7263,7 @@
           <a:p>
             <a:fld id="{FFF558EC-B290-447F-A6E5-7AC0F111F7F5}" type="datetimeFigureOut">
               <a:rPr lang="en-US" smtClean="0"/>
-              <a:t>8/2/2016</a:t>
+              <a:t>02/08/16</a:t>
             </a:fld>
             <a:endParaRPr lang="en-US"/>
           </a:p>
@@ -7165,7 +7516,7 @@
           <a:p>
             <a:fld id="{FFF558EC-B290-447F-A6E5-7AC0F111F7F5}" type="datetimeFigureOut">
               <a:rPr lang="en-US" smtClean="0"/>
-              <a:t>8/2/2016</a:t>
+              <a:t>02/08/16</a:t>
             </a:fld>
             <a:endParaRPr lang="en-US"/>
           </a:p>
@@ -7378,7 +7729,7 @@
           <a:p>
             <a:fld id="{FFF558EC-B290-447F-A6E5-7AC0F111F7F5}" type="datetimeFigureOut">
               <a:rPr lang="en-US" smtClean="0"/>
-              <a:t>8/2/2016</a:t>
+              <a:t>02/08/16</a:t>
             </a:fld>
             <a:endParaRPr lang="en-US"/>
           </a:p>
@@ -8899,12 +9250,12 @@
       </p:grpSpPr>
       <p:sp>
         <p:nvSpPr>
-          <p:cNvPr id="4" name="標題 3"/>
+          <p:cNvPr id="2" name="Title 1"/>
           <p:cNvSpPr>
             <a:spLocks noGrp="1"/>
           </p:cNvSpPr>
           <p:nvPr>
-            <p:ph type="ctrTitle"/>
+            <p:ph type="title"/>
           </p:nvPr>
         </p:nvSpPr>
         <p:spPr/>
@@ -8913,8 +9264,8 @@
           <a:lstStyle/>
           <a:p>
             <a:r>
-              <a:rPr lang="zh-TW" altLang="en-US" dirty="0"/>
-              <a:t>模擬情形</a:t>
+              <a:rPr lang="en-US" dirty="0" smtClean="0"/>
+              <a:t>VERIFIED</a:t>
             </a:r>
             <a:endParaRPr lang="en-US" dirty="0"/>
           </a:p>
@@ -8922,12 +9273,12 @@
       </p:sp>
       <p:sp>
         <p:nvSpPr>
-          <p:cNvPr id="5" name="副標題 4"/>
+          <p:cNvPr id="3" name="Content Placeholder 2"/>
           <p:cNvSpPr>
             <a:spLocks noGrp="1"/>
           </p:cNvSpPr>
           <p:nvPr>
-            <p:ph type="subTitle" idx="1"/>
+            <p:ph idx="1"/>
           </p:nvPr>
         </p:nvSpPr>
         <p:spPr/>
@@ -8942,7 +9293,7 @@
     </p:spTree>
     <p:extLst>
       <p:ext uri="{BB962C8B-B14F-4D97-AF65-F5344CB8AC3E}">
-        <p14:creationId xmlns:p14="http://schemas.microsoft.com/office/powerpoint/2010/main" val="2403754732"/>
+        <p14:creationId xmlns:p14="http://schemas.microsoft.com/office/powerpoint/2010/main" val="3638094516"/>
       </p:ext>
     </p:extLst>
   </p:cSld>
@@ -8971,12 +9322,12 @@
       </p:grpSpPr>
       <p:sp>
         <p:nvSpPr>
-          <p:cNvPr id="2" name="標題 1"/>
+          <p:cNvPr id="4" name="標題 3"/>
           <p:cNvSpPr>
             <a:spLocks noGrp="1"/>
           </p:cNvSpPr>
           <p:nvPr>
-            <p:ph type="title"/>
+            <p:ph type="ctrTitle"/>
           </p:nvPr>
         </p:nvSpPr>
         <p:spPr/>
@@ -8985,174 +9336,36 @@
           <a:lstStyle/>
           <a:p>
             <a:r>
-              <a:rPr lang="en-US" dirty="0"/>
-              <a:t>Consideration</a:t>
-            </a:r>
-            <a:r>
               <a:rPr lang="zh-TW" altLang="en-US" dirty="0"/>
-              <a:t> </a:t>
-            </a:r>
-            <a:r>
-              <a:rPr lang="en-US" altLang="zh-TW" dirty="0"/>
-              <a:t>(When to file a JIRA issue?)</a:t>
-            </a:r>
-            <a:r>
-              <a:rPr lang="en-US" dirty="0"/>
-              <a:t> </a:t>
-            </a:r>
+              <a:t>模擬情形</a:t>
+            </a:r>
+            <a:endParaRPr lang="en-US" dirty="0"/>
           </a:p>
         </p:txBody>
       </p:sp>
       <p:sp>
         <p:nvSpPr>
-          <p:cNvPr id="3" name="內容版面配置區 2"/>
+          <p:cNvPr id="5" name="副標題 4"/>
           <p:cNvSpPr>
             <a:spLocks noGrp="1"/>
           </p:cNvSpPr>
           <p:nvPr>
-            <p:ph idx="1"/>
+            <p:ph type="subTitle" idx="1"/>
           </p:nvPr>
         </p:nvSpPr>
         <p:spPr/>
         <p:txBody>
-          <a:bodyPr>
-            <a:normAutofit lnSpcReduction="10000"/>
-          </a:bodyPr>
+          <a:bodyPr/>
           <a:lstStyle/>
           <a:p>
-            <a:r>
-              <a:rPr lang="zh-TW" altLang="en-US" dirty="0"/>
-              <a:t>針對</a:t>
-            </a:r>
-            <a:r>
-              <a:rPr lang="zh-TW" altLang="en-US" b="1" dirty="0"/>
-              <a:t>測試階段與量產後</a:t>
-            </a:r>
-            <a:r>
-              <a:rPr lang="zh-TW" altLang="en-US" dirty="0"/>
-              <a:t>發生的問題</a:t>
-            </a:r>
-            <a:endParaRPr lang="en-US" altLang="zh-TW" dirty="0"/>
-          </a:p>
-          <a:p>
-            <a:pPr marL="514350" indent="-514350">
-              <a:buFont typeface="+mj-lt"/>
-              <a:buAutoNum type="arabicPeriod"/>
-            </a:pPr>
-            <a:r>
-              <a:rPr lang="zh-TW" altLang="en-US" dirty="0"/>
-              <a:t>會影響客戶端（引起客戶退貨的問題）</a:t>
-            </a:r>
-            <a:endParaRPr lang="en-US" altLang="zh-TW" dirty="0"/>
-          </a:p>
-          <a:p>
-            <a:pPr marL="971550" lvl="1" indent="-514350">
-              <a:buFont typeface="+mj-lt"/>
-              <a:buAutoNum type="alphaLcPeriod"/>
-            </a:pPr>
-            <a:r>
-              <a:rPr lang="zh-TW" altLang="en-US" dirty="0"/>
-              <a:t>背板的字容易被抹掉　（外觀檢查測試）</a:t>
-            </a:r>
-            <a:endParaRPr lang="en-US" altLang="zh-TW" dirty="0"/>
-          </a:p>
-          <a:p>
-            <a:pPr marL="971550" lvl="1" indent="-514350">
-              <a:buFont typeface="+mj-lt"/>
-              <a:buAutoNum type="alphaLcPeriod"/>
-            </a:pPr>
-            <a:r>
-              <a:rPr lang="zh-TW" altLang="en-US" dirty="0"/>
-              <a:t>ＡＵＴＯＥＱ使用時當機　（ＵＩ　測試）</a:t>
-            </a:r>
-            <a:endParaRPr lang="en-US" altLang="zh-TW" dirty="0"/>
-          </a:p>
-          <a:p>
-            <a:pPr marL="3657600" lvl="8" indent="0">
-              <a:buNone/>
-            </a:pPr>
-            <a:r>
-              <a:rPr lang="zh-TW" altLang="en-US" sz="3200" dirty="0"/>
-              <a:t>或</a:t>
-            </a:r>
-            <a:endParaRPr lang="en-US" altLang="zh-TW" dirty="0"/>
-          </a:p>
-          <a:p>
-            <a:pPr marL="514350" indent="-514350">
-              <a:buFont typeface="+mj-lt"/>
-              <a:buAutoNum type="arabicPeriod"/>
-            </a:pPr>
-            <a:r>
-              <a:rPr lang="zh-TW" altLang="en-US" dirty="0"/>
-              <a:t>會影響到進入量產階段（通常是安規與規格問題）</a:t>
-            </a:r>
-            <a:endParaRPr lang="en-US" altLang="zh-TW" dirty="0"/>
-          </a:p>
-          <a:p>
-            <a:pPr marL="971550" lvl="1" indent="-514350">
-              <a:buFont typeface="+mj-lt"/>
-              <a:buAutoNum type="alphaLcPeriod"/>
-            </a:pPr>
-            <a:r>
-              <a:rPr lang="zh-TW" altLang="en-US" dirty="0"/>
-              <a:t>ＥＳＤ測試Ｆａｉｌ　</a:t>
-            </a:r>
-            <a:endParaRPr lang="en-US" altLang="zh-TW" dirty="0"/>
-          </a:p>
-          <a:p>
-            <a:pPr marL="971550" lvl="1" indent="-514350">
-              <a:buFont typeface="+mj-lt"/>
-              <a:buAutoNum type="alphaLcPeriod"/>
-            </a:pPr>
-            <a:r>
-              <a:rPr lang="zh-TW" altLang="en-US" dirty="0"/>
-              <a:t>燒機測試Ｆａｉｌ　</a:t>
-            </a:r>
-            <a:endParaRPr lang="en-US" altLang="zh-TW" dirty="0"/>
-          </a:p>
-          <a:p>
-            <a:pPr marL="971550" lvl="1" indent="-514350">
-              <a:buFont typeface="+mj-lt"/>
-              <a:buAutoNum type="alphaLcPeriod"/>
-            </a:pPr>
-            <a:r>
-              <a:rPr lang="zh-TW" altLang="en-US" dirty="0"/>
-              <a:t>瓦數不符合設計規格 </a:t>
-            </a:r>
-            <a:r>
-              <a:rPr lang="en-US" altLang="zh-TW" dirty="0"/>
-              <a:t>(</a:t>
-            </a:r>
-            <a:r>
-              <a:rPr lang="zh-TW" altLang="en-US" dirty="0"/>
-              <a:t>整機測試）</a:t>
-            </a:r>
-            <a:endParaRPr lang="en-US" altLang="zh-TW" dirty="0"/>
-          </a:p>
-          <a:p>
-            <a:pPr marL="514350" indent="-514350">
-              <a:buFont typeface="+mj-lt"/>
-              <a:buAutoNum type="arabicPeriod"/>
-            </a:pPr>
-            <a:r>
-              <a:rPr lang="zh-TW" altLang="en-US" dirty="0"/>
-              <a:t>已經退貨了</a:t>
-            </a:r>
-            <a:endParaRPr lang="en-US" altLang="zh-TW" dirty="0"/>
-          </a:p>
-          <a:p>
-            <a:pPr marL="514350" indent="-514350">
-              <a:buFont typeface="+mj-lt"/>
-              <a:buAutoNum type="arabicPeriod"/>
-            </a:pPr>
-            <a:endParaRPr lang="en-US" dirty="0"/>
+            <a:endParaRPr lang="en-US"/>
           </a:p>
         </p:txBody>
       </p:sp>
     </p:spTree>
     <p:extLst>
       <p:ext uri="{BB962C8B-B14F-4D97-AF65-F5344CB8AC3E}">
-        <p14:creationId xmlns:p14="http://schemas.microsoft.com/office/powerpoint/2010/main" val="2305225752"/>
+        <p14:creationId xmlns:p14="http://schemas.microsoft.com/office/powerpoint/2010/main" val="2403754732"/>
       </p:ext>
     </p:extLst>
   </p:cSld>
@@ -9195,6 +9408,213 @@
           <a:lstStyle/>
           <a:p>
             <a:r>
+              <a:rPr lang="zh-TW" altLang="en-US" b="1" dirty="0" smtClean="0"/>
+              <a:t>何時該製作</a:t>
+            </a:r>
+            <a:r>
+              <a:rPr lang="en-US" altLang="zh-TW" b="1" dirty="0" smtClean="0"/>
+              <a:t>JIRA</a:t>
+            </a:r>
+            <a:r>
+              <a:rPr lang="zh-TW" altLang="en-US" b="1" dirty="0" smtClean="0"/>
+              <a:t>報告？</a:t>
+            </a:r>
+            <a:endParaRPr lang="en-US" b="1" dirty="0"/>
+          </a:p>
+        </p:txBody>
+      </p:sp>
+      <p:sp>
+        <p:nvSpPr>
+          <p:cNvPr id="3" name="內容版面配置區 2"/>
+          <p:cNvSpPr>
+            <a:spLocks noGrp="1"/>
+          </p:cNvSpPr>
+          <p:nvPr>
+            <p:ph idx="1"/>
+          </p:nvPr>
+        </p:nvSpPr>
+        <p:spPr/>
+        <p:txBody>
+          <a:bodyPr>
+            <a:normAutofit lnSpcReduction="10000"/>
+          </a:bodyPr>
+          <a:lstStyle/>
+          <a:p>
+            <a:r>
+              <a:rPr lang="zh-TW" altLang="en-US" dirty="0"/>
+              <a:t>針對</a:t>
+            </a:r>
+            <a:r>
+              <a:rPr lang="zh-TW" altLang="en-US" b="1" dirty="0"/>
+              <a:t>測試階段與量產後</a:t>
+            </a:r>
+            <a:r>
+              <a:rPr lang="zh-TW" altLang="en-US" dirty="0"/>
+              <a:t>發生的問題</a:t>
+            </a:r>
+            <a:endParaRPr lang="en-US" altLang="zh-TW" dirty="0"/>
+          </a:p>
+          <a:p>
+            <a:pPr marL="514350" indent="-514350">
+              <a:buFont typeface="+mj-lt"/>
+              <a:buAutoNum type="arabicPeriod"/>
+            </a:pPr>
+            <a:r>
+              <a:rPr lang="zh-TW" altLang="en-US" dirty="0"/>
+              <a:t>會影響客戶端（引起客戶退貨的問題）</a:t>
+            </a:r>
+            <a:endParaRPr lang="en-US" altLang="zh-TW" dirty="0"/>
+          </a:p>
+          <a:p>
+            <a:pPr marL="971550" lvl="1" indent="-514350">
+              <a:buFont typeface="+mj-lt"/>
+              <a:buAutoNum type="alphaLcPeriod"/>
+            </a:pPr>
+            <a:r>
+              <a:rPr lang="zh-TW" altLang="en-US" dirty="0"/>
+              <a:t>背板的字容易被抹掉　（外觀檢查測試）</a:t>
+            </a:r>
+            <a:endParaRPr lang="en-US" altLang="zh-TW" dirty="0"/>
+          </a:p>
+          <a:p>
+            <a:pPr marL="971550" lvl="1" indent="-514350">
+              <a:buFont typeface="+mj-lt"/>
+              <a:buAutoNum type="alphaLcPeriod"/>
+            </a:pPr>
+            <a:r>
+              <a:rPr lang="zh-TW" altLang="en-US" dirty="0"/>
+              <a:t>ＡＵＴＯＥＱ使用時當機　（ＵＩ　測試）</a:t>
+            </a:r>
+            <a:endParaRPr lang="en-US" altLang="zh-TW" dirty="0"/>
+          </a:p>
+          <a:p>
+            <a:pPr marL="3657600" lvl="8" indent="0">
+              <a:buNone/>
+            </a:pPr>
+            <a:r>
+              <a:rPr lang="zh-TW" altLang="en-US" sz="3200" dirty="0"/>
+              <a:t>或</a:t>
+            </a:r>
+            <a:endParaRPr lang="en-US" altLang="zh-TW" dirty="0"/>
+          </a:p>
+          <a:p>
+            <a:pPr marL="514350" indent="-514350">
+              <a:buFont typeface="+mj-lt"/>
+              <a:buAutoNum type="arabicPeriod"/>
+            </a:pPr>
+            <a:r>
+              <a:rPr lang="zh-TW" altLang="en-US" dirty="0"/>
+              <a:t>會影響到進入量產階段（通常是安規與規格問題）</a:t>
+            </a:r>
+            <a:endParaRPr lang="en-US" altLang="zh-TW" dirty="0"/>
+          </a:p>
+          <a:p>
+            <a:pPr marL="971550" lvl="1" indent="-514350">
+              <a:buFont typeface="+mj-lt"/>
+              <a:buAutoNum type="alphaLcPeriod"/>
+            </a:pPr>
+            <a:r>
+              <a:rPr lang="zh-TW" altLang="en-US" dirty="0"/>
+              <a:t>ＥＳＤ測試Ｆａｉｌ　</a:t>
+            </a:r>
+            <a:endParaRPr lang="en-US" altLang="zh-TW" dirty="0"/>
+          </a:p>
+          <a:p>
+            <a:pPr marL="971550" lvl="1" indent="-514350">
+              <a:buFont typeface="+mj-lt"/>
+              <a:buAutoNum type="alphaLcPeriod"/>
+            </a:pPr>
+            <a:r>
+              <a:rPr lang="zh-TW" altLang="en-US" dirty="0"/>
+              <a:t>燒機測試Ｆａｉｌ　</a:t>
+            </a:r>
+            <a:endParaRPr lang="en-US" altLang="zh-TW" dirty="0"/>
+          </a:p>
+          <a:p>
+            <a:pPr marL="971550" lvl="1" indent="-514350">
+              <a:buFont typeface="+mj-lt"/>
+              <a:buAutoNum type="alphaLcPeriod"/>
+            </a:pPr>
+            <a:r>
+              <a:rPr lang="zh-TW" altLang="en-US" dirty="0"/>
+              <a:t>瓦數不符合設計規格 </a:t>
+            </a:r>
+            <a:r>
+              <a:rPr lang="en-US" altLang="zh-TW" dirty="0"/>
+              <a:t>(</a:t>
+            </a:r>
+            <a:r>
+              <a:rPr lang="zh-TW" altLang="en-US" dirty="0"/>
+              <a:t>整機測試）</a:t>
+            </a:r>
+            <a:endParaRPr lang="en-US" altLang="zh-TW" dirty="0"/>
+          </a:p>
+          <a:p>
+            <a:pPr marL="514350" indent="-514350">
+              <a:buFont typeface="+mj-lt"/>
+              <a:buAutoNum type="arabicPeriod"/>
+            </a:pPr>
+            <a:r>
+              <a:rPr lang="zh-TW" altLang="en-US" dirty="0"/>
+              <a:t>已經退貨了</a:t>
+            </a:r>
+            <a:endParaRPr lang="en-US" altLang="zh-TW" dirty="0"/>
+          </a:p>
+          <a:p>
+            <a:pPr marL="514350" indent="-514350">
+              <a:buFont typeface="+mj-lt"/>
+              <a:buAutoNum type="arabicPeriod"/>
+            </a:pPr>
+            <a:endParaRPr lang="en-US" dirty="0"/>
+          </a:p>
+        </p:txBody>
+      </p:sp>
+    </p:spTree>
+    <p:extLst>
+      <p:ext uri="{BB962C8B-B14F-4D97-AF65-F5344CB8AC3E}">
+        <p14:creationId xmlns:p14="http://schemas.microsoft.com/office/powerpoint/2010/main" val="2305225752"/>
+      </p:ext>
+    </p:extLst>
+  </p:cSld>
+  <p:clrMapOvr>
+    <a:masterClrMapping/>
+  </p:clrMapOvr>
+</p:sld>
+</file>
+
+<file path=ppt/slides/slide18.xml><?xml version="1.0" encoding="utf-8"?>
+<p:sld xmlns:a="http://schemas.openxmlformats.org/drawingml/2006/main" xmlns:r="http://schemas.openxmlformats.org/officeDocument/2006/relationships" xmlns:p="http://schemas.openxmlformats.org/presentationml/2006/main">
+  <p:cSld>
+    <p:spTree>
+      <p:nvGrpSpPr>
+        <p:cNvPr id="1" name=""/>
+        <p:cNvGrpSpPr/>
+        <p:nvPr/>
+      </p:nvGrpSpPr>
+      <p:grpSpPr>
+        <a:xfrm>
+          <a:off x="0" y="0"/>
+          <a:ext cx="0" cy="0"/>
+          <a:chOff x="0" y="0"/>
+          <a:chExt cx="0" cy="0"/>
+        </a:xfrm>
+      </p:grpSpPr>
+      <p:sp>
+        <p:nvSpPr>
+          <p:cNvPr id="2" name="標題 1"/>
+          <p:cNvSpPr>
+            <a:spLocks noGrp="1"/>
+          </p:cNvSpPr>
+          <p:nvPr>
+            <p:ph type="title"/>
+          </p:nvPr>
+        </p:nvSpPr>
+        <p:spPr/>
+        <p:txBody>
+          <a:bodyPr/>
+          <a:lstStyle/>
+          <a:p>
+            <a:r>
               <a:rPr lang="zh-TW" altLang="en-US" dirty="0"/>
               <a:t>問題種類</a:t>
             </a:r>
@@ -9240,7 +9660,7 @@
 </p:sld>
 </file>
 
-<file path=ppt/slides/slide18.xml><?xml version="1.0" encoding="utf-8"?>
+<file path=ppt/slides/slide19.xml><?xml version="1.0" encoding="utf-8"?>
 <p:sld xmlns:a="http://schemas.openxmlformats.org/drawingml/2006/main" xmlns:r="http://schemas.openxmlformats.org/officeDocument/2006/relationships" xmlns:p="http://schemas.openxmlformats.org/presentationml/2006/main">
   <p:cSld>
     <p:spTree>
@@ -9309,14 +9729,14 @@
                 <a:gridCol w="5257800">
                   <a:extLst>
                     <a:ext uri="{9D8B030D-6E8A-4147-A177-3AD203B41FA5}">
-                      <a16:colId xmlns:a16="http://schemas.microsoft.com/office/drawing/2014/main" val="1961898410"/>
+                      <a16:colId xmlns:a16="http://schemas.microsoft.com/office/drawing/2014/main" xmlns="" val="1961898410"/>
                     </a:ext>
                   </a:extLst>
                 </a:gridCol>
                 <a:gridCol w="5257800">
                   <a:extLst>
                     <a:ext uri="{9D8B030D-6E8A-4147-A177-3AD203B41FA5}">
-                      <a16:colId xmlns:a16="http://schemas.microsoft.com/office/drawing/2014/main" val="3600854025"/>
+                      <a16:colId xmlns:a16="http://schemas.microsoft.com/office/drawing/2014/main" xmlns="" val="3600854025"/>
                     </a:ext>
                   </a:extLst>
                 </a:gridCol>
@@ -9354,7 +9774,7 @@
                 </a:tc>
                 <a:extLst>
                   <a:ext uri="{0D108BD9-81ED-4DB2-BD59-A6C34878D82A}">
-                    <a16:rowId xmlns:a16="http://schemas.microsoft.com/office/drawing/2014/main" val="343325735"/>
+                    <a16:rowId xmlns:a16="http://schemas.microsoft.com/office/drawing/2014/main" xmlns="" val="343325735"/>
                   </a:ext>
                 </a:extLst>
               </a:tr>
@@ -9393,7 +9813,7 @@
                 </a:tc>
                 <a:extLst>
                   <a:ext uri="{0D108BD9-81ED-4DB2-BD59-A6C34878D82A}">
-                    <a16:rowId xmlns:a16="http://schemas.microsoft.com/office/drawing/2014/main" val="472248446"/>
+                    <a16:rowId xmlns:a16="http://schemas.microsoft.com/office/drawing/2014/main" xmlns="" val="472248446"/>
                   </a:ext>
                 </a:extLst>
               </a:tr>
@@ -9440,7 +9860,7 @@
                 </a:tc>
                 <a:extLst>
                   <a:ext uri="{0D108BD9-81ED-4DB2-BD59-A6C34878D82A}">
-                    <a16:rowId xmlns:a16="http://schemas.microsoft.com/office/drawing/2014/main" val="1963619472"/>
+                    <a16:rowId xmlns:a16="http://schemas.microsoft.com/office/drawing/2014/main" xmlns="" val="1963619472"/>
                   </a:ext>
                 </a:extLst>
               </a:tr>
@@ -9475,7 +9895,7 @@
                 </a:tc>
                 <a:extLst>
                   <a:ext uri="{0D108BD9-81ED-4DB2-BD59-A6C34878D82A}">
-                    <a16:rowId xmlns:a16="http://schemas.microsoft.com/office/drawing/2014/main" val="2000222506"/>
+                    <a16:rowId xmlns:a16="http://schemas.microsoft.com/office/drawing/2014/main" xmlns="" val="2000222506"/>
                   </a:ext>
                 </a:extLst>
               </a:tr>
@@ -9518,7 +9938,7 @@
                 </a:tc>
                 <a:extLst>
                   <a:ext uri="{0D108BD9-81ED-4DB2-BD59-A6C34878D82A}">
-                    <a16:rowId xmlns:a16="http://schemas.microsoft.com/office/drawing/2014/main" val="2678375017"/>
+                    <a16:rowId xmlns:a16="http://schemas.microsoft.com/office/drawing/2014/main" xmlns="" val="2678375017"/>
                   </a:ext>
                 </a:extLst>
               </a:tr>
@@ -9561,7 +9981,7 @@
                 </a:tc>
                 <a:extLst>
                   <a:ext uri="{0D108BD9-81ED-4DB2-BD59-A6C34878D82A}">
-                    <a16:rowId xmlns:a16="http://schemas.microsoft.com/office/drawing/2014/main" val="1140697297"/>
+                    <a16:rowId xmlns:a16="http://schemas.microsoft.com/office/drawing/2014/main" xmlns="" val="1140697297"/>
                   </a:ext>
                 </a:extLst>
               </a:tr>
@@ -9608,7 +10028,7 @@
                 </a:tc>
                 <a:extLst>
                   <a:ext uri="{0D108BD9-81ED-4DB2-BD59-A6C34878D82A}">
-                    <a16:rowId xmlns:a16="http://schemas.microsoft.com/office/drawing/2014/main" val="1712948275"/>
+                    <a16:rowId xmlns:a16="http://schemas.microsoft.com/office/drawing/2014/main" xmlns="" val="1712948275"/>
                   </a:ext>
                 </a:extLst>
               </a:tr>
@@ -9643,7 +10063,7 @@
                 </a:tc>
                 <a:extLst>
                   <a:ext uri="{0D108BD9-81ED-4DB2-BD59-A6C34878D82A}">
-                    <a16:rowId xmlns:a16="http://schemas.microsoft.com/office/drawing/2014/main" val="1211248961"/>
+                    <a16:rowId xmlns:a16="http://schemas.microsoft.com/office/drawing/2014/main" xmlns="" val="1211248961"/>
                   </a:ext>
                 </a:extLst>
               </a:tr>
@@ -9664,7 +10084,246 @@
 </p:sld>
 </file>
 
-<file path=ppt/slides/slide19.xml><?xml version="1.0" encoding="utf-8"?>
+<file path=ppt/slides/slide2.xml><?xml version="1.0" encoding="utf-8"?>
+<p:sld xmlns:a="http://schemas.openxmlformats.org/drawingml/2006/main" xmlns:r="http://schemas.openxmlformats.org/officeDocument/2006/relationships" xmlns:p="http://schemas.openxmlformats.org/presentationml/2006/main">
+  <p:cSld>
+    <p:spTree>
+      <p:nvGrpSpPr>
+        <p:cNvPr id="1" name=""/>
+        <p:cNvGrpSpPr/>
+        <p:nvPr/>
+      </p:nvGrpSpPr>
+      <p:grpSpPr>
+        <a:xfrm>
+          <a:off x="0" y="0"/>
+          <a:ext cx="0" cy="0"/>
+          <a:chOff x="0" y="0"/>
+          <a:chExt cx="0" cy="0"/>
+        </a:xfrm>
+      </p:grpSpPr>
+      <p:sp>
+        <p:nvSpPr>
+          <p:cNvPr id="2" name="標題 1"/>
+          <p:cNvSpPr>
+            <a:spLocks noGrp="1"/>
+          </p:cNvSpPr>
+          <p:nvPr>
+            <p:ph type="title"/>
+          </p:nvPr>
+        </p:nvSpPr>
+        <p:spPr/>
+        <p:txBody>
+          <a:bodyPr/>
+          <a:lstStyle/>
+          <a:p>
+            <a:r>
+              <a:rPr lang="en-US" dirty="0"/>
+              <a:t>Log</a:t>
+            </a:r>
+          </a:p>
+        </p:txBody>
+      </p:sp>
+      <p:graphicFrame>
+        <p:nvGraphicFramePr>
+          <p:cNvPr id="4" name="內容版面配置區 3"/>
+          <p:cNvGraphicFramePr>
+            <a:graphicFrameLocks noGrp="1"/>
+          </p:cNvGraphicFramePr>
+          <p:nvPr>
+            <p:ph idx="1"/>
+            <p:extLst>
+              <p:ext uri="{D42A27DB-BD31-4B8C-83A1-F6EECF244321}">
+                <p14:modId xmlns:p14="http://schemas.microsoft.com/office/powerpoint/2010/main" val="2817927570"/>
+              </p:ext>
+            </p:extLst>
+          </p:nvPr>
+        </p:nvGraphicFramePr>
+        <p:xfrm>
+          <a:off x="838200" y="1825625"/>
+          <a:ext cx="10515600" cy="741680"/>
+        </p:xfrm>
+        <a:graphic>
+          <a:graphicData uri="http://schemas.openxmlformats.org/drawingml/2006/table">
+            <a:tbl>
+              <a:tblPr firstRow="1" bandRow="1">
+                <a:tableStyleId>{5C22544A-7EE6-4342-B048-85BDC9FD1C3A}</a:tableStyleId>
+              </a:tblPr>
+              <a:tblGrid>
+                <a:gridCol w="2628900">
+                  <a:extLst>
+                    <a:ext uri="{9D8B030D-6E8A-4147-A177-3AD203B41FA5}">
+                      <a16:colId xmlns:a16="http://schemas.microsoft.com/office/drawing/2014/main" xmlns="" val="454991149"/>
+                    </a:ext>
+                  </a:extLst>
+                </a:gridCol>
+                <a:gridCol w="2628900">
+                  <a:extLst>
+                    <a:ext uri="{9D8B030D-6E8A-4147-A177-3AD203B41FA5}">
+                      <a16:colId xmlns:a16="http://schemas.microsoft.com/office/drawing/2014/main" xmlns="" val="3602600402"/>
+                    </a:ext>
+                  </a:extLst>
+                </a:gridCol>
+                <a:gridCol w="2628900">
+                  <a:extLst>
+                    <a:ext uri="{9D8B030D-6E8A-4147-A177-3AD203B41FA5}">
+                      <a16:colId xmlns:a16="http://schemas.microsoft.com/office/drawing/2014/main" xmlns="" val="3939442976"/>
+                    </a:ext>
+                  </a:extLst>
+                </a:gridCol>
+                <a:gridCol w="2628900">
+                  <a:extLst>
+                    <a:ext uri="{9D8B030D-6E8A-4147-A177-3AD203B41FA5}">
+                      <a16:colId xmlns:a16="http://schemas.microsoft.com/office/drawing/2014/main" xmlns="" val="1566621746"/>
+                    </a:ext>
+                  </a:extLst>
+                </a:gridCol>
+              </a:tblGrid>
+              <a:tr h="370840">
+                <a:tc>
+                  <a:txBody>
+                    <a:bodyPr/>
+                    <a:lstStyle/>
+                    <a:p>
+                      <a:r>
+                        <a:rPr lang="en-US" dirty="0"/>
+                        <a:t>Date</a:t>
+                      </a:r>
+                    </a:p>
+                  </a:txBody>
+                  <a:tcPr/>
+                </a:tc>
+                <a:tc>
+                  <a:txBody>
+                    <a:bodyPr/>
+                    <a:lstStyle/>
+                    <a:p>
+                      <a:r>
+                        <a:rPr lang="en-US" dirty="0"/>
+                        <a:t>Person Involved</a:t>
+                      </a:r>
+                    </a:p>
+                  </a:txBody>
+                  <a:tcPr/>
+                </a:tc>
+                <a:tc>
+                  <a:txBody>
+                    <a:bodyPr/>
+                    <a:lstStyle/>
+                    <a:p>
+                      <a:r>
+                        <a:rPr lang="en-US" dirty="0"/>
+                        <a:t>Change Item</a:t>
+                      </a:r>
+                    </a:p>
+                  </a:txBody>
+                  <a:tcPr/>
+                </a:tc>
+                <a:tc>
+                  <a:txBody>
+                    <a:bodyPr/>
+                    <a:lstStyle/>
+                    <a:p>
+                      <a:r>
+                        <a:rPr lang="en-US" dirty="0"/>
+                        <a:t>Remarks</a:t>
+                      </a:r>
+                    </a:p>
+                  </a:txBody>
+                  <a:tcPr/>
+                </a:tc>
+                <a:extLst>
+                  <a:ext uri="{0D108BD9-81ED-4DB2-BD59-A6C34878D82A}">
+                    <a16:rowId xmlns:a16="http://schemas.microsoft.com/office/drawing/2014/main" xmlns="" val="3982496228"/>
+                  </a:ext>
+                </a:extLst>
+              </a:tr>
+              <a:tr h="370840">
+                <a:tc>
+                  <a:txBody>
+                    <a:bodyPr/>
+                    <a:lstStyle/>
+                    <a:p>
+                      <a:r>
+                        <a:rPr lang="en-US" dirty="0"/>
+                        <a:t>1</a:t>
+                      </a:r>
+                      <a:r>
+                        <a:rPr lang="en-US" baseline="30000" dirty="0"/>
+                        <a:t>st</a:t>
+                      </a:r>
+                      <a:r>
+                        <a:rPr lang="en-US" dirty="0"/>
+                        <a:t> August</a:t>
+                      </a:r>
+                      <a:r>
+                        <a:rPr lang="en-US" baseline="0" dirty="0"/>
+                        <a:t> 2016</a:t>
+                      </a:r>
+                      <a:endParaRPr lang="en-US" dirty="0"/>
+                    </a:p>
+                  </a:txBody>
+                  <a:tcPr/>
+                </a:tc>
+                <a:tc>
+                  <a:txBody>
+                    <a:bodyPr/>
+                    <a:lstStyle/>
+                    <a:p>
+                      <a:r>
+                        <a:rPr lang="en-US" dirty="0"/>
+                        <a:t>Han</a:t>
+                      </a:r>
+                    </a:p>
+                  </a:txBody>
+                  <a:tcPr/>
+                </a:tc>
+                <a:tc>
+                  <a:txBody>
+                    <a:bodyPr/>
+                    <a:lstStyle/>
+                    <a:p>
+                      <a:r>
+                        <a:rPr lang="en-US" dirty="0"/>
+                        <a:t>Created first draft</a:t>
+                      </a:r>
+                    </a:p>
+                  </a:txBody>
+                  <a:tcPr/>
+                </a:tc>
+                <a:tc>
+                  <a:txBody>
+                    <a:bodyPr/>
+                    <a:lstStyle/>
+                    <a:p>
+                      <a:endParaRPr lang="en-US" dirty="0"/>
+                    </a:p>
+                  </a:txBody>
+                  <a:tcPr/>
+                </a:tc>
+                <a:extLst>
+                  <a:ext uri="{0D108BD9-81ED-4DB2-BD59-A6C34878D82A}">
+                    <a16:rowId xmlns:a16="http://schemas.microsoft.com/office/drawing/2014/main" xmlns="" val="3556251788"/>
+                  </a:ext>
+                </a:extLst>
+              </a:tr>
+            </a:tbl>
+          </a:graphicData>
+        </a:graphic>
+      </p:graphicFrame>
+    </p:spTree>
+    <p:extLst>
+      <p:ext uri="{BB962C8B-B14F-4D97-AF65-F5344CB8AC3E}">
+        <p14:creationId xmlns:p14="http://schemas.microsoft.com/office/powerpoint/2010/main" val="2071643178"/>
+      </p:ext>
+    </p:extLst>
+  </p:cSld>
+  <p:clrMapOvr>
+    <a:masterClrMapping/>
+  </p:clrMapOvr>
+</p:sld>
+</file>
+
+<file path=ppt/slides/slide20.xml><?xml version="1.0" encoding="utf-8"?>
 <p:sld xmlns:a="http://schemas.openxmlformats.org/drawingml/2006/main" xmlns:r="http://schemas.openxmlformats.org/officeDocument/2006/relationships" xmlns:p="http://schemas.openxmlformats.org/presentationml/2006/main">
   <p:cSld>
     <p:spTree>
@@ -9730,7 +10389,19 @@
             </a:r>
             <a:r>
               <a:rPr lang="zh-TW" altLang="en-US" dirty="0"/>
-              <a:t>遇到問題</a:t>
+              <a:t>遇到</a:t>
+            </a:r>
+            <a:r>
+              <a:rPr lang="zh-TW" altLang="en-US" dirty="0" smtClean="0"/>
+              <a:t>問題</a:t>
+            </a:r>
+            <a:r>
+              <a:rPr lang="en-US" altLang="zh-TW" dirty="0" smtClean="0"/>
+              <a:t> (</a:t>
+            </a:r>
+            <a:r>
+              <a:rPr lang="zh-TW" altLang="en-US" dirty="0" smtClean="0"/>
+              <a:t>兩方）</a:t>
             </a:r>
             <a:endParaRPr lang="en-US" dirty="0"/>
           </a:p>
@@ -10395,246 +11066,7 @@
 </p:sld>
 </file>
 
-<file path=ppt/slides/slide2.xml><?xml version="1.0" encoding="utf-8"?>
-<p:sld xmlns:a="http://schemas.openxmlformats.org/drawingml/2006/main" xmlns:r="http://schemas.openxmlformats.org/officeDocument/2006/relationships" xmlns:p="http://schemas.openxmlformats.org/presentationml/2006/main">
-  <p:cSld>
-    <p:spTree>
-      <p:nvGrpSpPr>
-        <p:cNvPr id="1" name=""/>
-        <p:cNvGrpSpPr/>
-        <p:nvPr/>
-      </p:nvGrpSpPr>
-      <p:grpSpPr>
-        <a:xfrm>
-          <a:off x="0" y="0"/>
-          <a:ext cx="0" cy="0"/>
-          <a:chOff x="0" y="0"/>
-          <a:chExt cx="0" cy="0"/>
-        </a:xfrm>
-      </p:grpSpPr>
-      <p:sp>
-        <p:nvSpPr>
-          <p:cNvPr id="2" name="標題 1"/>
-          <p:cNvSpPr>
-            <a:spLocks noGrp="1"/>
-          </p:cNvSpPr>
-          <p:nvPr>
-            <p:ph type="title"/>
-          </p:nvPr>
-        </p:nvSpPr>
-        <p:spPr/>
-        <p:txBody>
-          <a:bodyPr/>
-          <a:lstStyle/>
-          <a:p>
-            <a:r>
-              <a:rPr lang="en-US" dirty="0"/>
-              <a:t>Log</a:t>
-            </a:r>
-          </a:p>
-        </p:txBody>
-      </p:sp>
-      <p:graphicFrame>
-        <p:nvGraphicFramePr>
-          <p:cNvPr id="4" name="內容版面配置區 3"/>
-          <p:cNvGraphicFramePr>
-            <a:graphicFrameLocks noGrp="1"/>
-          </p:cNvGraphicFramePr>
-          <p:nvPr>
-            <p:ph idx="1"/>
-            <p:extLst>
-              <p:ext uri="{D42A27DB-BD31-4B8C-83A1-F6EECF244321}">
-                <p14:modId xmlns:p14="http://schemas.microsoft.com/office/powerpoint/2010/main" val="2817927570"/>
-              </p:ext>
-            </p:extLst>
-          </p:nvPr>
-        </p:nvGraphicFramePr>
-        <p:xfrm>
-          <a:off x="838200" y="1825625"/>
-          <a:ext cx="10515600" cy="741680"/>
-        </p:xfrm>
-        <a:graphic>
-          <a:graphicData uri="http://schemas.openxmlformats.org/drawingml/2006/table">
-            <a:tbl>
-              <a:tblPr firstRow="1" bandRow="1">
-                <a:tableStyleId>{5C22544A-7EE6-4342-B048-85BDC9FD1C3A}</a:tableStyleId>
-              </a:tblPr>
-              <a:tblGrid>
-                <a:gridCol w="2628900">
-                  <a:extLst>
-                    <a:ext uri="{9D8B030D-6E8A-4147-A177-3AD203B41FA5}">
-                      <a16:colId xmlns:a16="http://schemas.microsoft.com/office/drawing/2014/main" val="454991149"/>
-                    </a:ext>
-                  </a:extLst>
-                </a:gridCol>
-                <a:gridCol w="2628900">
-                  <a:extLst>
-                    <a:ext uri="{9D8B030D-6E8A-4147-A177-3AD203B41FA5}">
-                      <a16:colId xmlns:a16="http://schemas.microsoft.com/office/drawing/2014/main" val="3602600402"/>
-                    </a:ext>
-                  </a:extLst>
-                </a:gridCol>
-                <a:gridCol w="2628900">
-                  <a:extLst>
-                    <a:ext uri="{9D8B030D-6E8A-4147-A177-3AD203B41FA5}">
-                      <a16:colId xmlns:a16="http://schemas.microsoft.com/office/drawing/2014/main" val="3939442976"/>
-                    </a:ext>
-                  </a:extLst>
-                </a:gridCol>
-                <a:gridCol w="2628900">
-                  <a:extLst>
-                    <a:ext uri="{9D8B030D-6E8A-4147-A177-3AD203B41FA5}">
-                      <a16:colId xmlns:a16="http://schemas.microsoft.com/office/drawing/2014/main" val="1566621746"/>
-                    </a:ext>
-                  </a:extLst>
-                </a:gridCol>
-              </a:tblGrid>
-              <a:tr h="370840">
-                <a:tc>
-                  <a:txBody>
-                    <a:bodyPr/>
-                    <a:lstStyle/>
-                    <a:p>
-                      <a:r>
-                        <a:rPr lang="en-US" dirty="0"/>
-                        <a:t>Date</a:t>
-                      </a:r>
-                    </a:p>
-                  </a:txBody>
-                  <a:tcPr/>
-                </a:tc>
-                <a:tc>
-                  <a:txBody>
-                    <a:bodyPr/>
-                    <a:lstStyle/>
-                    <a:p>
-                      <a:r>
-                        <a:rPr lang="en-US" dirty="0"/>
-                        <a:t>Person Involved</a:t>
-                      </a:r>
-                    </a:p>
-                  </a:txBody>
-                  <a:tcPr/>
-                </a:tc>
-                <a:tc>
-                  <a:txBody>
-                    <a:bodyPr/>
-                    <a:lstStyle/>
-                    <a:p>
-                      <a:r>
-                        <a:rPr lang="en-US" dirty="0"/>
-                        <a:t>Change Item</a:t>
-                      </a:r>
-                    </a:p>
-                  </a:txBody>
-                  <a:tcPr/>
-                </a:tc>
-                <a:tc>
-                  <a:txBody>
-                    <a:bodyPr/>
-                    <a:lstStyle/>
-                    <a:p>
-                      <a:r>
-                        <a:rPr lang="en-US" dirty="0"/>
-                        <a:t>Remarks</a:t>
-                      </a:r>
-                    </a:p>
-                  </a:txBody>
-                  <a:tcPr/>
-                </a:tc>
-                <a:extLst>
-                  <a:ext uri="{0D108BD9-81ED-4DB2-BD59-A6C34878D82A}">
-                    <a16:rowId xmlns:a16="http://schemas.microsoft.com/office/drawing/2014/main" val="3982496228"/>
-                  </a:ext>
-                </a:extLst>
-              </a:tr>
-              <a:tr h="370840">
-                <a:tc>
-                  <a:txBody>
-                    <a:bodyPr/>
-                    <a:lstStyle/>
-                    <a:p>
-                      <a:r>
-                        <a:rPr lang="en-US" dirty="0"/>
-                        <a:t>1</a:t>
-                      </a:r>
-                      <a:r>
-                        <a:rPr lang="en-US" baseline="30000" dirty="0"/>
-                        <a:t>st</a:t>
-                      </a:r>
-                      <a:r>
-                        <a:rPr lang="en-US" dirty="0"/>
-                        <a:t> August</a:t>
-                      </a:r>
-                      <a:r>
-                        <a:rPr lang="en-US" baseline="0" dirty="0"/>
-                        <a:t> 2016</a:t>
-                      </a:r>
-                      <a:endParaRPr lang="en-US" dirty="0"/>
-                    </a:p>
-                  </a:txBody>
-                  <a:tcPr/>
-                </a:tc>
-                <a:tc>
-                  <a:txBody>
-                    <a:bodyPr/>
-                    <a:lstStyle/>
-                    <a:p>
-                      <a:r>
-                        <a:rPr lang="en-US" dirty="0"/>
-                        <a:t>Han</a:t>
-                      </a:r>
-                    </a:p>
-                  </a:txBody>
-                  <a:tcPr/>
-                </a:tc>
-                <a:tc>
-                  <a:txBody>
-                    <a:bodyPr/>
-                    <a:lstStyle/>
-                    <a:p>
-                      <a:r>
-                        <a:rPr lang="en-US" dirty="0"/>
-                        <a:t>Created first draft</a:t>
-                      </a:r>
-                    </a:p>
-                  </a:txBody>
-                  <a:tcPr/>
-                </a:tc>
-                <a:tc>
-                  <a:txBody>
-                    <a:bodyPr/>
-                    <a:lstStyle/>
-                    <a:p>
-                      <a:endParaRPr lang="en-US" dirty="0"/>
-                    </a:p>
-                  </a:txBody>
-                  <a:tcPr/>
-                </a:tc>
-                <a:extLst>
-                  <a:ext uri="{0D108BD9-81ED-4DB2-BD59-A6C34878D82A}">
-                    <a16:rowId xmlns:a16="http://schemas.microsoft.com/office/drawing/2014/main" val="3556251788"/>
-                  </a:ext>
-                </a:extLst>
-              </a:tr>
-            </a:tbl>
-          </a:graphicData>
-        </a:graphic>
-      </p:graphicFrame>
-    </p:spTree>
-    <p:extLst>
-      <p:ext uri="{BB962C8B-B14F-4D97-AF65-F5344CB8AC3E}">
-        <p14:creationId xmlns:p14="http://schemas.microsoft.com/office/powerpoint/2010/main" val="2071643178"/>
-      </p:ext>
-    </p:extLst>
-  </p:cSld>
-  <p:clrMapOvr>
-    <a:masterClrMapping/>
-  </p:clrMapOvr>
-</p:sld>
-</file>
-
-<file path=ppt/slides/slide20.xml><?xml version="1.0" encoding="utf-8"?>
+<file path=ppt/slides/slide21.xml><?xml version="1.0" encoding="utf-8"?>
 <p:sld xmlns:a="http://schemas.openxmlformats.org/drawingml/2006/main" xmlns:r="http://schemas.openxmlformats.org/officeDocument/2006/relationships" xmlns:p="http://schemas.openxmlformats.org/presentationml/2006/main">
   <p:cSld>
     <p:spTree>
@@ -11252,7 +11684,7 @@
 </p:sld>
 </file>
 
-<file path=ppt/slides/slide21.xml><?xml version="1.0" encoding="utf-8"?>
+<file path=ppt/slides/slide22.xml><?xml version="1.0" encoding="utf-8"?>
 <p:sld xmlns:a="http://schemas.openxmlformats.org/drawingml/2006/main" xmlns:r="http://schemas.openxmlformats.org/officeDocument/2006/relationships" xmlns:p="http://schemas.openxmlformats.org/presentationml/2006/main">
   <p:cSld>
     <p:spTree>
@@ -11682,7 +12114,328 @@
 </p:sld>
 </file>
 
-<file path=ppt/slides/slide22.xml><?xml version="1.0" encoding="utf-8"?>
+<file path=ppt/slides/slide23.xml><?xml version="1.0" encoding="utf-8"?>
+<p:sld xmlns:a="http://schemas.openxmlformats.org/drawingml/2006/main" xmlns:r="http://schemas.openxmlformats.org/officeDocument/2006/relationships" xmlns:p="http://schemas.openxmlformats.org/presentationml/2006/main">
+  <p:cSld>
+    <p:spTree>
+      <p:nvGrpSpPr>
+        <p:cNvPr id="1" name=""/>
+        <p:cNvGrpSpPr/>
+        <p:nvPr/>
+      </p:nvGrpSpPr>
+      <p:grpSpPr>
+        <a:xfrm>
+          <a:off x="0" y="0"/>
+          <a:ext cx="0" cy="0"/>
+          <a:chOff x="0" y="0"/>
+          <a:chExt cx="0" cy="0"/>
+        </a:xfrm>
+      </p:grpSpPr>
+      <p:sp>
+        <p:nvSpPr>
+          <p:cNvPr id="2" name="Title 1"/>
+          <p:cNvSpPr>
+            <a:spLocks noGrp="1"/>
+          </p:cNvSpPr>
+          <p:nvPr>
+            <p:ph type="title"/>
+          </p:nvPr>
+        </p:nvSpPr>
+        <p:spPr/>
+        <p:txBody>
+          <a:bodyPr/>
+          <a:lstStyle/>
+          <a:p>
+            <a:r>
+              <a:rPr lang="zh-TW" altLang="en-US" dirty="0"/>
+              <a:t>情形１</a:t>
+            </a:r>
+            <a:r>
+              <a:rPr lang="en-US" altLang="zh-TW" dirty="0"/>
+              <a:t>- </a:t>
+            </a:r>
+            <a:r>
+              <a:rPr lang="en-GB" altLang="zh-TW" dirty="0" smtClean="0"/>
+              <a:t>Rock </a:t>
+            </a:r>
+            <a:r>
+              <a:rPr lang="zh-TW" altLang="en-US" dirty="0" smtClean="0"/>
+              <a:t>收到問題</a:t>
+            </a:r>
+            <a:endParaRPr lang="en-US" dirty="0"/>
+          </a:p>
+        </p:txBody>
+      </p:sp>
+      <p:sp>
+        <p:nvSpPr>
+          <p:cNvPr id="3" name="Content Placeholder 2"/>
+          <p:cNvSpPr>
+            <a:spLocks noGrp="1"/>
+          </p:cNvSpPr>
+          <p:nvPr>
+            <p:ph idx="1"/>
+          </p:nvPr>
+        </p:nvSpPr>
+        <p:spPr>
+          <a:xfrm>
+            <a:off x="-1" y="1562302"/>
+            <a:ext cx="4123449" cy="5295698"/>
+          </a:xfrm>
+        </p:spPr>
+        <p:txBody>
+          <a:bodyPr>
+            <a:normAutofit/>
+          </a:bodyPr>
+          <a:lstStyle/>
+          <a:p>
+            <a:pPr marL="514350" indent="-514350">
+              <a:buFont typeface="+mj-lt"/>
+              <a:buAutoNum type="arabicPeriod"/>
+            </a:pPr>
+            <a:r>
+              <a:rPr lang="en-US" sz="1600" dirty="0" smtClean="0"/>
+              <a:t>OPEN</a:t>
+            </a:r>
+            <a:r>
+              <a:rPr lang="zh-TW" altLang="en-US" sz="1600" dirty="0" smtClean="0"/>
+              <a:t>代表問題是開著的，沒人開始檢討這問題</a:t>
+            </a:r>
+            <a:endParaRPr lang="en-GB" altLang="zh-TW" sz="1600" dirty="0" smtClean="0"/>
+          </a:p>
+          <a:p>
+            <a:pPr marL="514350" indent="-514350">
+              <a:buFont typeface="+mj-lt"/>
+              <a:buAutoNum type="arabicPeriod"/>
+            </a:pPr>
+            <a:r>
+              <a:rPr lang="en-US" sz="1600" dirty="0" smtClean="0"/>
+              <a:t>Rock</a:t>
+            </a:r>
+            <a:r>
+              <a:rPr lang="zh-TW" altLang="en-US" sz="1600" dirty="0" smtClean="0"/>
+              <a:t>如果要開始檢討，就要點“</a:t>
+            </a:r>
+            <a:r>
+              <a:rPr lang="en-US" altLang="zh-TW" sz="1600" dirty="0" smtClean="0"/>
+              <a:t>START</a:t>
+            </a:r>
+            <a:r>
+              <a:rPr lang="en-US" altLang="zh-TW" sz="1600" dirty="0"/>
+              <a:t> </a:t>
+            </a:r>
+            <a:r>
+              <a:rPr lang="en-US" altLang="zh-TW" sz="1600" dirty="0" smtClean="0"/>
+              <a:t>PROGRESS”.</a:t>
+            </a:r>
+            <a:r>
+              <a:rPr lang="zh-TW" altLang="en-US" sz="1600" dirty="0" smtClean="0"/>
+              <a:t>問題的</a:t>
+            </a:r>
+            <a:r>
+              <a:rPr lang="en-GB" altLang="zh-TW" sz="1600" dirty="0" smtClean="0"/>
+              <a:t>status</a:t>
+            </a:r>
+            <a:r>
+              <a:rPr lang="zh-TW" altLang="en-US" sz="1600" dirty="0" smtClean="0"/>
+              <a:t>就會變“</a:t>
+            </a:r>
+            <a:r>
+              <a:rPr lang="en-US" altLang="zh-TW" sz="1600" dirty="0" smtClean="0"/>
+              <a:t>IN PROGRESS”</a:t>
+            </a:r>
+          </a:p>
+          <a:p>
+            <a:pPr marL="514350" indent="-514350">
+              <a:buFont typeface="+mj-lt"/>
+              <a:buAutoNum type="arabicPeriod"/>
+            </a:pPr>
+            <a:r>
+              <a:rPr lang="en-US" altLang="zh-TW" sz="1600" dirty="0" smtClean="0"/>
+              <a:t>Rock </a:t>
+            </a:r>
+            <a:r>
+              <a:rPr lang="zh-TW" altLang="en-US" sz="1600" dirty="0" smtClean="0"/>
+              <a:t>對策以後，就要點</a:t>
+            </a:r>
+            <a:r>
+              <a:rPr lang="en-GB" altLang="zh-TW" sz="1600" dirty="0"/>
+              <a:t> </a:t>
+            </a:r>
+            <a:r>
+              <a:rPr lang="en-GB" altLang="zh-TW" sz="1600" dirty="0" smtClean="0"/>
+              <a:t>“Resolve Issue”.</a:t>
+            </a:r>
+            <a:r>
+              <a:rPr lang="zh-TW" altLang="en-US" sz="1600" dirty="0" smtClean="0"/>
+              <a:t>並要填寫解決方案</a:t>
+            </a:r>
+            <a:r>
+              <a:rPr lang="zh-TW" altLang="zh-TW" sz="1600" dirty="0" smtClean="0"/>
+              <a:t>。</a:t>
+            </a:r>
+            <a:endParaRPr lang="en-GB" altLang="zh-TW" sz="1600" dirty="0" smtClean="0"/>
+          </a:p>
+          <a:p>
+            <a:pPr marL="514350" indent="-514350">
+              <a:buFont typeface="+mj-lt"/>
+              <a:buAutoNum type="arabicPeriod"/>
+            </a:pPr>
+            <a:r>
+              <a:rPr lang="zh-TW" altLang="en-US" sz="1600" dirty="0" smtClean="0"/>
+              <a:t>之後，他需要</a:t>
+            </a:r>
+            <a:r>
+              <a:rPr lang="en-US" altLang="zh-TW" sz="1600" dirty="0" smtClean="0"/>
+              <a:t> assign</a:t>
+            </a:r>
+            <a:r>
+              <a:rPr lang="zh-TW" altLang="en-US" sz="1600" dirty="0" smtClean="0"/>
+              <a:t>回給我確認。確認後，我需要附上報告，確定問題已解決了。</a:t>
+            </a:r>
+            <a:endParaRPr lang="en-GB" altLang="zh-TW" sz="1600" dirty="0" smtClean="0"/>
+          </a:p>
+          <a:p>
+            <a:pPr marL="514350" indent="-514350">
+              <a:buFont typeface="+mj-lt"/>
+              <a:buAutoNum type="arabicPeriod"/>
+            </a:pPr>
+            <a:r>
+              <a:rPr lang="zh-TW" altLang="en-US" sz="1600" dirty="0" smtClean="0"/>
+              <a:t>可是怎麼確定</a:t>
+            </a:r>
+            <a:r>
+              <a:rPr lang="en-US" altLang="zh-TW" sz="1600" dirty="0" smtClean="0"/>
+              <a:t>PCB</a:t>
+            </a:r>
+            <a:r>
+              <a:rPr lang="zh-TW" altLang="en-US" sz="1600" dirty="0" smtClean="0"/>
+              <a:t>上有改了呢？</a:t>
+            </a:r>
+            <a:r>
+              <a:rPr lang="en-US" altLang="zh-TW" sz="1600" dirty="0" smtClean="0"/>
+              <a:t>A</a:t>
+            </a:r>
+            <a:r>
+              <a:rPr lang="en-GB" altLang="zh-TW" sz="1600" dirty="0" err="1" smtClean="0"/>
+              <a:t>ssign</a:t>
+            </a:r>
+            <a:r>
+              <a:rPr lang="en-GB" altLang="zh-TW" sz="1600" dirty="0" smtClean="0"/>
+              <a:t> to Fiona?</a:t>
+            </a:r>
+          </a:p>
+        </p:txBody>
+      </p:sp>
+    </p:spTree>
+    <p:extLst>
+      <p:ext uri="{BB962C8B-B14F-4D97-AF65-F5344CB8AC3E}">
+        <p14:creationId xmlns:p14="http://schemas.microsoft.com/office/powerpoint/2010/main" val="721570442"/>
+      </p:ext>
+    </p:extLst>
+  </p:cSld>
+  <p:clrMapOvr>
+    <a:masterClrMapping/>
+  </p:clrMapOvr>
+</p:sld>
+</file>
+
+<file path=ppt/slides/slide24.xml><?xml version="1.0" encoding="utf-8"?>
+<p:sld xmlns:a="http://schemas.openxmlformats.org/drawingml/2006/main" xmlns:r="http://schemas.openxmlformats.org/officeDocument/2006/relationships" xmlns:p="http://schemas.openxmlformats.org/presentationml/2006/main">
+  <p:cSld>
+    <p:spTree>
+      <p:nvGrpSpPr>
+        <p:cNvPr id="1" name=""/>
+        <p:cNvGrpSpPr/>
+        <p:nvPr/>
+      </p:nvGrpSpPr>
+      <p:grpSpPr>
+        <a:xfrm>
+          <a:off x="0" y="0"/>
+          <a:ext cx="0" cy="0"/>
+          <a:chOff x="0" y="0"/>
+          <a:chExt cx="0" cy="0"/>
+        </a:xfrm>
+      </p:grpSpPr>
+      <p:sp>
+        <p:nvSpPr>
+          <p:cNvPr id="2" name="Title 1"/>
+          <p:cNvSpPr>
+            <a:spLocks noGrp="1"/>
+          </p:cNvSpPr>
+          <p:nvPr>
+            <p:ph type="title"/>
+          </p:nvPr>
+        </p:nvSpPr>
+        <p:spPr/>
+        <p:txBody>
+          <a:bodyPr/>
+          <a:lstStyle/>
+          <a:p>
+            <a:r>
+              <a:rPr lang="zh-TW" altLang="en-US" dirty="0" smtClean="0"/>
+              <a:t>情形</a:t>
+            </a:r>
+            <a:r>
+              <a:rPr lang="en-US" altLang="zh-TW" dirty="0" smtClean="0"/>
+              <a:t>2-</a:t>
+            </a:r>
+            <a:r>
+              <a:rPr lang="zh-TW" altLang="en-US" dirty="0" smtClean="0"/>
+              <a:t>單方</a:t>
+            </a:r>
+            <a:endParaRPr lang="en-US" dirty="0"/>
+          </a:p>
+        </p:txBody>
+      </p:sp>
+      <p:sp>
+        <p:nvSpPr>
+          <p:cNvPr id="3" name="Content Placeholder 2"/>
+          <p:cNvSpPr>
+            <a:spLocks noGrp="1"/>
+          </p:cNvSpPr>
+          <p:nvPr>
+            <p:ph idx="1"/>
+          </p:nvPr>
+        </p:nvSpPr>
+        <p:spPr/>
+        <p:txBody>
+          <a:bodyPr/>
+          <a:lstStyle/>
+          <a:p>
+            <a:r>
+              <a:rPr lang="zh-TW" altLang="en-US" dirty="0" smtClean="0"/>
+              <a:t>我遇到問題，我解決問題</a:t>
+            </a:r>
+            <a:endParaRPr lang="en-GB" altLang="zh-TW" dirty="0" smtClean="0"/>
+          </a:p>
+          <a:p>
+            <a:r>
+              <a:rPr lang="en-GB" dirty="0" smtClean="0"/>
+              <a:t>Create </a:t>
+            </a:r>
+            <a:r>
+              <a:rPr lang="en-GB" dirty="0" smtClean="0">
+                <a:sym typeface="Wingdings"/>
+              </a:rPr>
+              <a:t> OPEN  IN PROGRESS  VERIFIED  CLOSED (weekly release/PCB release)</a:t>
+            </a:r>
+          </a:p>
+        </p:txBody>
+      </p:sp>
+    </p:spTree>
+    <p:extLst>
+      <p:ext uri="{BB962C8B-B14F-4D97-AF65-F5344CB8AC3E}">
+        <p14:creationId xmlns:p14="http://schemas.microsoft.com/office/powerpoint/2010/main" val="4102022719"/>
+      </p:ext>
+    </p:extLst>
+  </p:cSld>
+  <p:clrMapOvr>
+    <a:masterClrMapping/>
+  </p:clrMapOvr>
+</p:sld>
+</file>
+
+<file path=ppt/slides/slide25.xml><?xml version="1.0" encoding="utf-8"?>
 <p:sld xmlns:a="http://schemas.openxmlformats.org/drawingml/2006/main" xmlns:r="http://schemas.openxmlformats.org/officeDocument/2006/relationships" xmlns:p="http://schemas.openxmlformats.org/presentationml/2006/main">
   <p:cSld>
     <p:spTree>
@@ -11774,7 +12527,7 @@
 </p:sld>
 </file>
 
-<file path=ppt/slides/slide23.xml><?xml version="1.0" encoding="utf-8"?>
+<file path=ppt/slides/slide26.xml><?xml version="1.0" encoding="utf-8"?>
 <p:sld xmlns:a="http://schemas.openxmlformats.org/drawingml/2006/main" xmlns:r="http://schemas.openxmlformats.org/officeDocument/2006/relationships" xmlns:p="http://schemas.openxmlformats.org/presentationml/2006/main">
   <p:cSld>
     <p:spTree>
@@ -14111,7 +14864,7 @@
     </a:clrScheme>
     <a:fontScheme name="Office">
       <a:majorFont>
-        <a:latin typeface="Calibri Light" panose="020F0302020204030204"/>
+        <a:latin typeface="Calibri Light"/>
         <a:ea typeface=""/>
         <a:cs typeface=""/>
         <a:font script="Jpan" typeface="游ゴシック Light"/>
@@ -14163,7 +14916,7 @@
         <a:font script="Tfng" typeface="Ebrima"/>
       </a:majorFont>
       <a:minorFont>
-        <a:latin typeface="Calibri" panose="020F0502020204030204"/>
+        <a:latin typeface="Calibri"/>
         <a:ea typeface=""/>
         <a:cs typeface=""/>
         <a:font script="Jpan" typeface="游ゴシック"/>
@@ -14357,7 +15110,7 @@
   <a:extraClrSchemeLst/>
   <a:extLst>
     <a:ext uri="{05A4C25C-085E-4340-85A3-A5531E510DB2}">
-      <thm15:themeFamily xmlns:thm15="http://schemas.microsoft.com/office/thememl/2012/main" name="Office Theme" id="{62F939B6-93AF-4DB8-9C6B-D6C7DFDC589F}" vid="{4A3C46E8-61CC-4603-A589-7422A47A8E4A}"/>
+      <thm15:themeFamily xmlns:thm15="http://schemas.microsoft.com/office/thememl/2012/main" xmlns="" name="Office Theme" id="{62F939B6-93AF-4DB8-9C6B-D6C7DFDC589F}" vid="{4A3C46E8-61CC-4603-A589-7422A47A8E4A}"/>
     </a:ext>
   </a:extLst>
 </a:theme>
@@ -14406,7 +15159,7 @@
     </a:clrScheme>
     <a:fontScheme name="Office">
       <a:majorFont>
-        <a:latin typeface="Calibri Light" panose="020F0302020204030204"/>
+        <a:latin typeface="Calibri Light"/>
         <a:ea typeface=""/>
         <a:cs typeface=""/>
         <a:font script="Jpan" typeface="游ゴシック Light"/>
@@ -14458,7 +15211,7 @@
         <a:font script="Tfng" typeface="Ebrima"/>
       </a:majorFont>
       <a:minorFont>
-        <a:latin typeface="Calibri" panose="020F0502020204030204"/>
+        <a:latin typeface="Calibri"/>
         <a:ea typeface=""/>
         <a:cs typeface=""/>
         <a:font script="Jpan" typeface="游ゴシック"/>
@@ -14652,7 +15405,7 @@
   <a:extraClrSchemeLst/>
   <a:extLst>
     <a:ext uri="{05A4C25C-085E-4340-85A3-A5531E510DB2}">
-      <thm15:themeFamily xmlns:thm15="http://schemas.microsoft.com/office/thememl/2012/main" name="Office Theme" id="{62F939B6-93AF-4DB8-9C6B-D6C7DFDC589F}" vid="{4A3C46E8-61CC-4603-A589-7422A47A8E4A}"/>
+      <thm15:themeFamily xmlns:thm15="http://schemas.microsoft.com/office/thememl/2012/main" xmlns="" name="Office Theme" id="{62F939B6-93AF-4DB8-9C6B-D6C7DFDC589F}" vid="{4A3C46E8-61CC-4603-A589-7422A47A8E4A}"/>
     </a:ext>
   </a:extLst>
 </a:theme>
